--- a/reference_material/slides/003_Distribution_Basics.pptx
+++ b/reference_material/slides/003_Distribution_Basics.pptx
@@ -16,13 +16,13 @@
     <p:sldId id="260" r:id="rId10"/>
     <p:sldId id="266" r:id="rId11"/>
     <p:sldId id="267" r:id="rId12"/>
-    <p:sldId id="261" r:id="rId13"/>
-    <p:sldId id="268" r:id="rId14"/>
-    <p:sldId id="269" r:id="rId15"/>
-    <p:sldId id="270" r:id="rId16"/>
-    <p:sldId id="262" r:id="rId17"/>
-    <p:sldId id="263" r:id="rId18"/>
-    <p:sldId id="271" r:id="rId19"/>
+    <p:sldId id="269" r:id="rId13"/>
+    <p:sldId id="261" r:id="rId14"/>
+    <p:sldId id="268" r:id="rId15"/>
+    <p:sldId id="271" r:id="rId16"/>
+    <p:sldId id="270" r:id="rId17"/>
+    <p:sldId id="262" r:id="rId18"/>
+    <p:sldId id="263" r:id="rId19"/>
   </p:sldIdLst>
   <p:sldSz cx="12192000" cy="6858000"/>
   <p:notesSz cx="6858000" cy="9144000"/>
@@ -268,7 +268,7 @@
           <a:p>
             <a:fld id="{37483FAA-8DCB-CF4A-AA5F-E981DB5CFF12}" type="datetimeFigureOut">
               <a:rPr lang="en-US" smtClean="0"/>
-              <a:t>9/9/22</a:t>
+              <a:t>8/20/25</a:t>
             </a:fld>
             <a:endParaRPr lang="en-US"/>
           </a:p>
@@ -479,7 +479,7 @@
           <a:p>
             <a:fld id="{37483FAA-8DCB-CF4A-AA5F-E981DB5CFF12}" type="datetimeFigureOut">
               <a:rPr lang="en-US" smtClean="0"/>
-              <a:t>9/9/22</a:t>
+              <a:t>8/20/25</a:t>
             </a:fld>
             <a:endParaRPr lang="en-US"/>
           </a:p>
@@ -694,7 +694,7 @@
           <a:p>
             <a:fld id="{37483FAA-8DCB-CF4A-AA5F-E981DB5CFF12}" type="datetimeFigureOut">
               <a:rPr lang="en-US" smtClean="0"/>
-              <a:t>9/9/22</a:t>
+              <a:t>8/20/25</a:t>
             </a:fld>
             <a:endParaRPr lang="en-US"/>
           </a:p>
@@ -895,7 +895,7 @@
           <a:p>
             <a:fld id="{37483FAA-8DCB-CF4A-AA5F-E981DB5CFF12}" type="datetimeFigureOut">
               <a:rPr lang="en-US" smtClean="0"/>
-              <a:t>9/9/22</a:t>
+              <a:t>8/20/25</a:t>
             </a:fld>
             <a:endParaRPr lang="en-US"/>
           </a:p>
@@ -1174,7 +1174,7 @@
           <a:p>
             <a:fld id="{37483FAA-8DCB-CF4A-AA5F-E981DB5CFF12}" type="datetimeFigureOut">
               <a:rPr lang="en-US" smtClean="0"/>
-              <a:t>9/9/22</a:t>
+              <a:t>8/20/25</a:t>
             </a:fld>
             <a:endParaRPr lang="en-US"/>
           </a:p>
@@ -1442,7 +1442,7 @@
           <a:p>
             <a:fld id="{37483FAA-8DCB-CF4A-AA5F-E981DB5CFF12}" type="datetimeFigureOut">
               <a:rPr lang="en-US" smtClean="0"/>
-              <a:t>9/9/22</a:t>
+              <a:t>8/20/25</a:t>
             </a:fld>
             <a:endParaRPr lang="en-US"/>
           </a:p>
@@ -1858,7 +1858,7 @@
           <a:p>
             <a:fld id="{37483FAA-8DCB-CF4A-AA5F-E981DB5CFF12}" type="datetimeFigureOut">
               <a:rPr lang="en-US" smtClean="0"/>
-              <a:t>9/9/22</a:t>
+              <a:t>8/20/25</a:t>
             </a:fld>
             <a:endParaRPr lang="en-US"/>
           </a:p>
@@ -2007,7 +2007,7 @@
           <a:p>
             <a:fld id="{37483FAA-8DCB-CF4A-AA5F-E981DB5CFF12}" type="datetimeFigureOut">
               <a:rPr lang="en-US" smtClean="0"/>
-              <a:t>9/9/22</a:t>
+              <a:t>8/20/25</a:t>
             </a:fld>
             <a:endParaRPr lang="en-US"/>
           </a:p>
@@ -2133,7 +2133,7 @@
           <a:p>
             <a:fld id="{37483FAA-8DCB-CF4A-AA5F-E981DB5CFF12}" type="datetimeFigureOut">
               <a:rPr lang="en-US" smtClean="0"/>
-              <a:t>9/9/22</a:t>
+              <a:t>8/20/25</a:t>
             </a:fld>
             <a:endParaRPr lang="en-US"/>
           </a:p>
@@ -2384,7 +2384,7 @@
           <a:p>
             <a:fld id="{37483FAA-8DCB-CF4A-AA5F-E981DB5CFF12}" type="datetimeFigureOut">
               <a:rPr lang="en-US" smtClean="0"/>
-              <a:t>9/9/22</a:t>
+              <a:t>8/20/25</a:t>
             </a:fld>
             <a:endParaRPr lang="en-US"/>
           </a:p>
@@ -2829,7 +2829,7 @@
           <a:p>
             <a:fld id="{37483FAA-8DCB-CF4A-AA5F-E981DB5CFF12}" type="datetimeFigureOut">
               <a:rPr lang="en-US" smtClean="0"/>
-              <a:t>9/9/22</a:t>
+              <a:t>8/20/25</a:t>
             </a:fld>
             <a:endParaRPr lang="en-US"/>
           </a:p>
@@ -3156,7 +3156,7 @@
           <a:p>
             <a:fld id="{37483FAA-8DCB-CF4A-AA5F-E981DB5CFF12}" type="datetimeFigureOut">
               <a:rPr lang="en-US" smtClean="0"/>
-              <a:t>9/9/22</a:t>
+              <a:t>8/20/25</a:t>
             </a:fld>
             <a:endParaRPr lang="en-US"/>
           </a:p>
@@ -4139,6 +4139,126 @@
           <p:cNvPr id="2" name="Title 1">
             <a:extLst>
               <a:ext uri="{FF2B5EF4-FFF2-40B4-BE49-F238E27FC236}">
+                <a16:creationId xmlns:a16="http://schemas.microsoft.com/office/drawing/2014/main" id="{5CC8DABC-82B8-3704-FB88-EFE21674EA75}"/>
+              </a:ext>
+            </a:extLst>
+          </p:cNvPr>
+          <p:cNvSpPr>
+            <a:spLocks noGrp="1"/>
+          </p:cNvSpPr>
+          <p:nvPr>
+            <p:ph type="title"/>
+          </p:nvPr>
+        </p:nvSpPr>
+        <p:spPr/>
+        <p:txBody>
+          <a:bodyPr/>
+          <a:lstStyle/>
+          <a:p>
+            <a:r>
+              <a:rPr lang="en-US" dirty="0"/>
+              <a:t>Comparisons</a:t>
+            </a:r>
+          </a:p>
+        </p:txBody>
+      </p:sp>
+      <p:sp>
+        <p:nvSpPr>
+          <p:cNvPr id="3" name="Content Placeholder 2">
+            <a:extLst>
+              <a:ext uri="{FF2B5EF4-FFF2-40B4-BE49-F238E27FC236}">
+                <a16:creationId xmlns:a16="http://schemas.microsoft.com/office/drawing/2014/main" id="{27E7D7DB-8118-FD80-1805-1C35225B2516}"/>
+              </a:ext>
+            </a:extLst>
+          </p:cNvPr>
+          <p:cNvSpPr>
+            <a:spLocks noGrp="1"/>
+          </p:cNvSpPr>
+          <p:nvPr>
+            <p:ph idx="1"/>
+          </p:nvPr>
+        </p:nvSpPr>
+        <p:spPr/>
+        <p:txBody>
+          <a:bodyPr/>
+          <a:lstStyle/>
+          <a:p>
+            <a:r>
+              <a:rPr lang="en-US" dirty="0"/>
+              <a:t>Histograms and especially density plots help us see differences between groups. </a:t>
+            </a:r>
+          </a:p>
+          <a:p>
+            <a:pPr lvl="1"/>
+            <a:r>
+              <a:rPr lang="en-US" dirty="0"/>
+              <a:t>Why the “especially” there?</a:t>
+            </a:r>
+          </a:p>
+          <a:p>
+            <a:r>
+              <a:rPr lang="en-US" dirty="0"/>
+              <a:t>We can compare on a more advanced level than comparing means or medians:</a:t>
+            </a:r>
+          </a:p>
+          <a:p>
+            <a:pPr lvl="1"/>
+            <a:r>
+              <a:rPr lang="en-US" dirty="0"/>
+              <a:t>See if the two groups are the same shape. </a:t>
+            </a:r>
+          </a:p>
+          <a:p>
+            <a:pPr lvl="1"/>
+            <a:r>
+              <a:rPr lang="en-US" dirty="0"/>
+              <a:t>See if one is more “spread” than the other. </a:t>
+            </a:r>
+          </a:p>
+          <a:p>
+            <a:pPr lvl="1"/>
+            <a:r>
+              <a:rPr lang="en-US" dirty="0"/>
+              <a:t>Are there tails that make the averages look more similar?</a:t>
+            </a:r>
+          </a:p>
+        </p:txBody>
+      </p:sp>
+    </p:spTree>
+    <p:extLst>
+      <p:ext uri="{BB962C8B-B14F-4D97-AF65-F5344CB8AC3E}">
+        <p14:creationId xmlns:p14="http://schemas.microsoft.com/office/powerpoint/2010/main" val="3812512812"/>
+      </p:ext>
+    </p:extLst>
+  </p:cSld>
+  <p:clrMapOvr>
+    <a:masterClrMapping/>
+  </p:clrMapOvr>
+</p:sld>
+</file>
+
+<file path=ppt/slides/slide13.xml><?xml version="1.0" encoding="utf-8"?>
+<p:sld xmlns:a="http://schemas.openxmlformats.org/drawingml/2006/main" xmlns:r="http://schemas.openxmlformats.org/officeDocument/2006/relationships" xmlns:p="http://schemas.openxmlformats.org/presentationml/2006/main">
+  <p:cSld>
+    <p:spTree>
+      <p:nvGrpSpPr>
+        <p:cNvPr id="1" name=""/>
+        <p:cNvGrpSpPr/>
+        <p:nvPr/>
+      </p:nvGrpSpPr>
+      <p:grpSpPr>
+        <a:xfrm>
+          <a:off x="0" y="0"/>
+          <a:ext cx="0" cy="0"/>
+          <a:chOff x="0" y="0"/>
+          <a:chExt cx="0" cy="0"/>
+        </a:xfrm>
+      </p:grpSpPr>
+      <p:sp>
+        <p:nvSpPr>
+          <p:cNvPr id="2" name="Title 1">
+            <a:extLst>
+              <a:ext uri="{FF2B5EF4-FFF2-40B4-BE49-F238E27FC236}">
                 <a16:creationId xmlns:a16="http://schemas.microsoft.com/office/drawing/2014/main" id="{AC7D94E8-B123-0BE7-AF92-C0B64C6A32EC}"/>
               </a:ext>
             </a:extLst>
@@ -4186,6 +4306,13 @@
             <a:r>
               <a:rPr lang="en-US" dirty="0"/>
               <a:t>The shape of our empirical distribution could be anything. </a:t>
+            </a:r>
+          </a:p>
+          <a:p>
+            <a:pPr lvl="1"/>
+            <a:r>
+              <a:rPr lang="en-US" dirty="0"/>
+              <a:t>Some patterns in distributions tend to occur frequently. </a:t>
             </a:r>
           </a:p>
           <a:p>
@@ -4229,7 +4356,7 @@
 </p:sld>
 </file>
 
-<file path=ppt/slides/slide13.xml><?xml version="1.0" encoding="utf-8"?>
+<file path=ppt/slides/slide14.xml><?xml version="1.0" encoding="utf-8"?>
 <p:sld xmlns:a="http://schemas.openxmlformats.org/drawingml/2006/main" xmlns:r="http://schemas.openxmlformats.org/officeDocument/2006/relationships" xmlns:p="http://schemas.openxmlformats.org/presentationml/2006/main">
   <p:cSld>
     <p:spTree>
@@ -4359,7 +4486,7 @@
 </p:sld>
 </file>
 
-<file path=ppt/slides/slide14.xml><?xml version="1.0" encoding="utf-8"?>
+<file path=ppt/slides/slide15.xml><?xml version="1.0" encoding="utf-8"?>
 <p:sld xmlns:a="http://schemas.openxmlformats.org/drawingml/2006/main" xmlns:r="http://schemas.openxmlformats.org/officeDocument/2006/relationships" xmlns:p="http://schemas.openxmlformats.org/presentationml/2006/main">
   <p:cSld>
     <p:spTree>
@@ -4381,7 +4508,7 @@
           <p:cNvPr id="2" name="Title 1">
             <a:extLst>
               <a:ext uri="{FF2B5EF4-FFF2-40B4-BE49-F238E27FC236}">
-                <a16:creationId xmlns:a16="http://schemas.microsoft.com/office/drawing/2014/main" id="{5CC8DABC-82B8-3704-FB88-EFE21674EA75}"/>
+                <a16:creationId xmlns:a16="http://schemas.microsoft.com/office/drawing/2014/main" id="{324C076A-B2B9-4F28-F19D-8320A313CB7E}"/>
               </a:ext>
             </a:extLst>
           </p:cNvPr>
@@ -4397,10 +4524,7 @@
           <a:bodyPr/>
           <a:lstStyle/>
           <a:p>
-            <a:r>
-              <a:rPr lang="en-US" dirty="0"/>
-              <a:t>Comparisons</a:t>
-            </a:r>
+            <a:endParaRPr lang="en-US" dirty="0"/>
           </a:p>
         </p:txBody>
       </p:sp>
@@ -4409,7 +4533,7 @@
           <p:cNvPr id="3" name="Content Placeholder 2">
             <a:extLst>
               <a:ext uri="{FF2B5EF4-FFF2-40B4-BE49-F238E27FC236}">
-                <a16:creationId xmlns:a16="http://schemas.microsoft.com/office/drawing/2014/main" id="{27E7D7DB-8118-FD80-1805-1C35225B2516}"/>
+                <a16:creationId xmlns:a16="http://schemas.microsoft.com/office/drawing/2014/main" id="{A932BE55-63BD-769C-5BB0-223EED99DF92}"/>
               </a:ext>
             </a:extLst>
           </p:cNvPr>
@@ -4425,51 +4549,61 @@
           <a:bodyPr/>
           <a:lstStyle/>
           <a:p>
-            <a:r>
-              <a:rPr lang="en-US" dirty="0"/>
-              <a:t>Histograms and especially density plots help us see differences between groups. </a:t>
-            </a:r>
-          </a:p>
-          <a:p>
-            <a:pPr lvl="1"/>
-            <a:r>
-              <a:rPr lang="en-US" dirty="0"/>
-              <a:t>Why the “especially” there?</a:t>
-            </a:r>
-          </a:p>
-          <a:p>
-            <a:r>
-              <a:rPr lang="en-US" dirty="0"/>
-              <a:t>We can compare on a more advanced level than comparing means or medians:</a:t>
-            </a:r>
-          </a:p>
-          <a:p>
-            <a:pPr lvl="1"/>
-            <a:r>
-              <a:rPr lang="en-US" dirty="0"/>
-              <a:t>See if the two groups are the same shape. </a:t>
-            </a:r>
-          </a:p>
-          <a:p>
-            <a:pPr lvl="1"/>
-            <a:r>
-              <a:rPr lang="en-US" dirty="0"/>
-              <a:t>See if one is more “spread” than the other. </a:t>
-            </a:r>
-          </a:p>
-          <a:p>
-            <a:pPr lvl="1"/>
-            <a:r>
-              <a:rPr lang="en-US" dirty="0"/>
-              <a:t>Are there tails that make the averages look more similar?</a:t>
-            </a:r>
-          </a:p>
-        </p:txBody>
-      </p:sp>
+            <a:endParaRPr lang="en-US"/>
+          </a:p>
+        </p:txBody>
+      </p:sp>
+      <p:pic>
+        <p:nvPicPr>
+          <p:cNvPr id="1026" name="Picture 2" descr="Understanding Different Types of Distributions You Will Encounter As A Data  Scientist | by Akshay Sharma | MyTake | Medium">
+            <a:extLst>
+              <a:ext uri="{FF2B5EF4-FFF2-40B4-BE49-F238E27FC236}">
+                <a16:creationId xmlns:a16="http://schemas.microsoft.com/office/drawing/2014/main" id="{10D0621F-C546-B29F-7BEC-3F089CFC1C3E}"/>
+              </a:ext>
+            </a:extLst>
+          </p:cNvPr>
+          <p:cNvPicPr>
+            <a:picLocks noChangeAspect="1" noChangeArrowheads="1"/>
+          </p:cNvPicPr>
+          <p:nvPr/>
+        </p:nvPicPr>
+        <p:blipFill>
+          <a:blip r:embed="rId2">
+            <a:extLst>
+              <a:ext uri="{28A0092B-C50C-407E-A947-70E740481C1C}">
+                <a14:useLocalDpi xmlns:a14="http://schemas.microsoft.com/office/drawing/2010/main" val="0"/>
+              </a:ext>
+            </a:extLst>
+          </a:blip>
+          <a:srcRect/>
+          <a:stretch>
+            <a:fillRect/>
+          </a:stretch>
+        </p:blipFill>
+        <p:spPr bwMode="auto">
+          <a:xfrm>
+            <a:off x="1171575" y="0"/>
+            <a:ext cx="9847263" cy="6858000"/>
+          </a:xfrm>
+          <a:prstGeom prst="rect">
+            <a:avLst/>
+          </a:prstGeom>
+          <a:noFill/>
+          <a:extLst>
+            <a:ext uri="{909E8E84-426E-40DD-AFC4-6F175D3DCCD1}">
+              <a14:hiddenFill xmlns:a14="http://schemas.microsoft.com/office/drawing/2010/main">
+                <a:solidFill>
+                  <a:srgbClr val="FFFFFF"/>
+                </a:solidFill>
+              </a14:hiddenFill>
+            </a:ext>
+          </a:extLst>
+        </p:spPr>
+      </p:pic>
     </p:spTree>
     <p:extLst>
       <p:ext uri="{BB962C8B-B14F-4D97-AF65-F5344CB8AC3E}">
-        <p14:creationId xmlns:p14="http://schemas.microsoft.com/office/powerpoint/2010/main" val="3812512812"/>
+        <p14:creationId xmlns:p14="http://schemas.microsoft.com/office/powerpoint/2010/main" val="215184273"/>
       </p:ext>
     </p:extLst>
   </p:cSld>
@@ -4479,7 +4613,7 @@
 </p:sld>
 </file>
 
-<file path=ppt/slides/slide15.xml><?xml version="1.0" encoding="utf-8"?>
+<file path=ppt/slides/slide16.xml><?xml version="1.0" encoding="utf-8"?>
 <p:sld xmlns:a="http://schemas.openxmlformats.org/drawingml/2006/main" xmlns:r="http://schemas.openxmlformats.org/officeDocument/2006/relationships" xmlns:p="http://schemas.openxmlformats.org/presentationml/2006/main">
   <p:cSld>
     <p:spTree>
@@ -4609,7 +4743,7 @@
 </p:sld>
 </file>
 
-<file path=ppt/slides/slide16.xml><?xml version="1.0" encoding="utf-8"?>
+<file path=ppt/slides/slide17.xml><?xml version="1.0" encoding="utf-8"?>
 <p:sld xmlns:a="http://schemas.openxmlformats.org/drawingml/2006/main" xmlns:r="http://schemas.openxmlformats.org/officeDocument/2006/relationships" xmlns:p="http://schemas.openxmlformats.org/presentationml/2006/main">
   <p:cSld>
     <p:bg>
@@ -4832,152 +4966,6 @@
 </p:sld>
 </file>
 
-<file path=ppt/slides/slide17.xml><?xml version="1.0" encoding="utf-8"?>
-<p:sld xmlns:a="http://schemas.openxmlformats.org/drawingml/2006/main" xmlns:r="http://schemas.openxmlformats.org/officeDocument/2006/relationships" xmlns:p="http://schemas.openxmlformats.org/presentationml/2006/main">
-  <p:cSld>
-    <p:spTree>
-      <p:nvGrpSpPr>
-        <p:cNvPr id="1" name=""/>
-        <p:cNvGrpSpPr/>
-        <p:nvPr/>
-      </p:nvGrpSpPr>
-      <p:grpSpPr>
-        <a:xfrm>
-          <a:off x="0" y="0"/>
-          <a:ext cx="0" cy="0"/>
-          <a:chOff x="0" y="0"/>
-          <a:chExt cx="0" cy="0"/>
-        </a:xfrm>
-      </p:grpSpPr>
-      <p:sp>
-        <p:nvSpPr>
-          <p:cNvPr id="2" name="Title 1">
-            <a:extLst>
-              <a:ext uri="{FF2B5EF4-FFF2-40B4-BE49-F238E27FC236}">
-                <a16:creationId xmlns:a16="http://schemas.microsoft.com/office/drawing/2014/main" id="{E885A71B-91E2-2DE3-8DD4-24C25CE1759C}"/>
-              </a:ext>
-            </a:extLst>
-          </p:cNvPr>
-          <p:cNvSpPr>
-            <a:spLocks noGrp="1"/>
-          </p:cNvSpPr>
-          <p:nvPr>
-            <p:ph type="title"/>
-          </p:nvPr>
-        </p:nvSpPr>
-        <p:spPr/>
-        <p:txBody>
-          <a:bodyPr/>
-          <a:lstStyle/>
-          <a:p>
-            <a:r>
-              <a:rPr lang="en-US" dirty="0"/>
-              <a:t>Example – Generalizing from Sample</a:t>
-            </a:r>
-          </a:p>
-        </p:txBody>
-      </p:sp>
-      <p:sp>
-        <p:nvSpPr>
-          <p:cNvPr id="3" name="Content Placeholder 2">
-            <a:extLst>
-              <a:ext uri="{FF2B5EF4-FFF2-40B4-BE49-F238E27FC236}">
-                <a16:creationId xmlns:a16="http://schemas.microsoft.com/office/drawing/2014/main" id="{4551837D-70C8-63BB-E507-913EB93C7EA7}"/>
-              </a:ext>
-            </a:extLst>
-          </p:cNvPr>
-          <p:cNvSpPr>
-            <a:spLocks noGrp="1"/>
-          </p:cNvSpPr>
-          <p:nvPr>
-            <p:ph idx="1"/>
-          </p:nvPr>
-        </p:nvSpPr>
-        <p:spPr>
-          <a:xfrm>
-            <a:off x="1451579" y="1853754"/>
-            <a:ext cx="9603275" cy="4199727"/>
-          </a:xfrm>
-        </p:spPr>
-        <p:txBody>
-          <a:bodyPr>
-            <a:normAutofit lnSpcReduction="10000"/>
-          </a:bodyPr>
-          <a:lstStyle/>
-          <a:p>
-            <a:r>
-              <a:rPr lang="en-US" dirty="0"/>
-              <a:t>Goal – “How many NAIT students are &lt;5’5” or &gt;6’5””?</a:t>
-            </a:r>
-          </a:p>
-          <a:p>
-            <a:r>
-              <a:rPr lang="en-US" dirty="0"/>
-              <a:t>Process:</a:t>
-            </a:r>
-          </a:p>
-          <a:p>
-            <a:pPr lvl="1"/>
-            <a:r>
-              <a:rPr lang="en-US" dirty="0"/>
-              <a:t>Take a sample of N students, measure them. Calculate mean and std. </a:t>
-            </a:r>
-          </a:p>
-          <a:p>
-            <a:pPr lvl="1"/>
-            <a:r>
-              <a:rPr lang="en-US" dirty="0"/>
-              <a:t>We ”know” height is normally distributed. (This is the logical leap). </a:t>
-            </a:r>
-          </a:p>
-          <a:p>
-            <a:pPr lvl="1"/>
-            <a:r>
-              <a:rPr lang="en-US" dirty="0"/>
-              <a:t>Generate a normal distribution matching mean and std from sample. </a:t>
-            </a:r>
-          </a:p>
-          <a:p>
-            <a:pPr lvl="1"/>
-            <a:r>
-              <a:rPr lang="en-US" dirty="0"/>
-              <a:t>Use standard normal distribution stuff (e.g. z-scores) to answer question. </a:t>
-            </a:r>
-          </a:p>
-          <a:p>
-            <a:r>
-              <a:rPr lang="en-US" dirty="0"/>
-              <a:t>We are able to take a small subset of know heights, generalize that to the population, and then perform analysis on that generalization. </a:t>
-            </a:r>
-          </a:p>
-          <a:p>
-            <a:pPr lvl="1"/>
-            <a:r>
-              <a:rPr lang="en-US" dirty="0"/>
-              <a:t>What may hurt or improve the reliability of this analysis. </a:t>
-            </a:r>
-          </a:p>
-          <a:p>
-            <a:r>
-              <a:rPr lang="en-US" dirty="0"/>
-              <a:t>If you see a Stats Canada estimate from census data, it is likely done like this. </a:t>
-            </a:r>
-          </a:p>
-        </p:txBody>
-      </p:sp>
-    </p:spTree>
-    <p:extLst>
-      <p:ext uri="{BB962C8B-B14F-4D97-AF65-F5344CB8AC3E}">
-        <p14:creationId xmlns:p14="http://schemas.microsoft.com/office/powerpoint/2010/main" val="3258882042"/>
-      </p:ext>
-    </p:extLst>
-  </p:cSld>
-  <p:clrMapOvr>
-    <a:masterClrMapping/>
-  </p:clrMapOvr>
-</p:sld>
-</file>
-
 <file path=ppt/slides/slide18.xml><?xml version="1.0" encoding="utf-8"?>
 <p:sld xmlns:a="http://schemas.openxmlformats.org/drawingml/2006/main" xmlns:r="http://schemas.openxmlformats.org/officeDocument/2006/relationships" xmlns:p="http://schemas.openxmlformats.org/presentationml/2006/main">
   <p:cSld>
@@ -5000,7 +4988,7 @@
           <p:cNvPr id="2" name="Title 1">
             <a:extLst>
               <a:ext uri="{FF2B5EF4-FFF2-40B4-BE49-F238E27FC236}">
-                <a16:creationId xmlns:a16="http://schemas.microsoft.com/office/drawing/2014/main" id="{324C076A-B2B9-4F28-F19D-8320A313CB7E}"/>
+                <a16:creationId xmlns:a16="http://schemas.microsoft.com/office/drawing/2014/main" id="{E885A71B-91E2-2DE3-8DD4-24C25CE1759C}"/>
               </a:ext>
             </a:extLst>
           </p:cNvPr>
@@ -5016,7 +5004,10 @@
           <a:bodyPr/>
           <a:lstStyle/>
           <a:p>
-            <a:endParaRPr lang="en-US" dirty="0"/>
+            <a:r>
+              <a:rPr lang="en-US" dirty="0"/>
+              <a:t>Example – Generalizing from Sample</a:t>
+            </a:r>
           </a:p>
         </p:txBody>
       </p:sp>
@@ -5025,7 +5016,7 @@
           <p:cNvPr id="3" name="Content Placeholder 2">
             <a:extLst>
               <a:ext uri="{FF2B5EF4-FFF2-40B4-BE49-F238E27FC236}">
-                <a16:creationId xmlns:a16="http://schemas.microsoft.com/office/drawing/2014/main" id="{A932BE55-63BD-769C-5BB0-223EED99DF92}"/>
+                <a16:creationId xmlns:a16="http://schemas.microsoft.com/office/drawing/2014/main" id="{4551837D-70C8-63BB-E507-913EB93C7EA7}"/>
               </a:ext>
             </a:extLst>
           </p:cNvPr>
@@ -5036,66 +5027,82 @@
             <p:ph idx="1"/>
           </p:nvPr>
         </p:nvSpPr>
-        <p:spPr/>
-        <p:txBody>
-          <a:bodyPr/>
-          <a:lstStyle/>
-          <a:p>
-            <a:endParaRPr lang="en-US"/>
-          </a:p>
-        </p:txBody>
-      </p:sp>
-      <p:pic>
-        <p:nvPicPr>
-          <p:cNvPr id="1026" name="Picture 2" descr="Understanding Different Types of Distributions You Will Encounter As A Data  Scientist | by Akshay Sharma | MyTake | Medium">
-            <a:extLst>
-              <a:ext uri="{FF2B5EF4-FFF2-40B4-BE49-F238E27FC236}">
-                <a16:creationId xmlns:a16="http://schemas.microsoft.com/office/drawing/2014/main" id="{10D0621F-C546-B29F-7BEC-3F089CFC1C3E}"/>
-              </a:ext>
-            </a:extLst>
-          </p:cNvPr>
-          <p:cNvPicPr>
-            <a:picLocks noChangeAspect="1" noChangeArrowheads="1"/>
-          </p:cNvPicPr>
-          <p:nvPr/>
-        </p:nvPicPr>
-        <p:blipFill>
-          <a:blip r:embed="rId2">
-            <a:extLst>
-              <a:ext uri="{28A0092B-C50C-407E-A947-70E740481C1C}">
-                <a14:useLocalDpi xmlns:a14="http://schemas.microsoft.com/office/drawing/2010/main" val="0"/>
-              </a:ext>
-            </a:extLst>
-          </a:blip>
-          <a:srcRect/>
-          <a:stretch>
-            <a:fillRect/>
-          </a:stretch>
-        </p:blipFill>
-        <p:spPr bwMode="auto">
+        <p:spPr>
           <a:xfrm>
-            <a:off x="1171575" y="0"/>
-            <a:ext cx="9847263" cy="6858000"/>
+            <a:off x="1451579" y="1853754"/>
+            <a:ext cx="9603275" cy="4199727"/>
           </a:xfrm>
-          <a:prstGeom prst="rect">
-            <a:avLst/>
-          </a:prstGeom>
-          <a:noFill/>
-          <a:extLst>
-            <a:ext uri="{909E8E84-426E-40DD-AFC4-6F175D3DCCD1}">
-              <a14:hiddenFill xmlns:a14="http://schemas.microsoft.com/office/drawing/2010/main">
-                <a:solidFill>
-                  <a:srgbClr val="FFFFFF"/>
-                </a:solidFill>
-              </a14:hiddenFill>
-            </a:ext>
-          </a:extLst>
         </p:spPr>
-      </p:pic>
+        <p:txBody>
+          <a:bodyPr>
+            <a:normAutofit lnSpcReduction="10000"/>
+          </a:bodyPr>
+          <a:lstStyle/>
+          <a:p>
+            <a:r>
+              <a:rPr lang="en-US" dirty="0"/>
+              <a:t>Goal – “How many NAIT students are &lt;5’5” or &gt;6’5””?</a:t>
+            </a:r>
+          </a:p>
+          <a:p>
+            <a:r>
+              <a:rPr lang="en-US" dirty="0"/>
+              <a:t>Process:</a:t>
+            </a:r>
+          </a:p>
+          <a:p>
+            <a:pPr lvl="1"/>
+            <a:r>
+              <a:rPr lang="en-US" dirty="0"/>
+              <a:t>Take a sample of N students, measure them. Calculate mean and std. </a:t>
+            </a:r>
+          </a:p>
+          <a:p>
+            <a:pPr lvl="1"/>
+            <a:r>
+              <a:rPr lang="en-US" dirty="0"/>
+              <a:t>We ”know” height is normally distributed. (This is the logical leap). </a:t>
+            </a:r>
+          </a:p>
+          <a:p>
+            <a:pPr lvl="1"/>
+            <a:r>
+              <a:rPr lang="en-US" dirty="0"/>
+              <a:t>Generate a normal distribution matching mean and std from sample. </a:t>
+            </a:r>
+          </a:p>
+          <a:p>
+            <a:pPr lvl="1"/>
+            <a:r>
+              <a:rPr lang="en-US" dirty="0"/>
+              <a:t>Use standard normal distribution stuff (e.g. z-scores) to answer question. </a:t>
+            </a:r>
+          </a:p>
+          <a:p>
+            <a:r>
+              <a:rPr lang="en-US" dirty="0"/>
+              <a:t>We are able to take a small subset of know heights, generalize that to the population, and then perform analysis on that generalization. </a:t>
+            </a:r>
+          </a:p>
+          <a:p>
+            <a:pPr lvl="1"/>
+            <a:r>
+              <a:rPr lang="en-US" dirty="0"/>
+              <a:t>What may hurt or improve the reliability of this analysis. </a:t>
+            </a:r>
+          </a:p>
+          <a:p>
+            <a:r>
+              <a:rPr lang="en-US" dirty="0"/>
+              <a:t>If you see a Stats Canada estimate from census data, it is likely done like this. </a:t>
+            </a:r>
+          </a:p>
+        </p:txBody>
+      </p:sp>
     </p:spTree>
     <p:extLst>
       <p:ext uri="{BB962C8B-B14F-4D97-AF65-F5344CB8AC3E}">
-        <p14:creationId xmlns:p14="http://schemas.microsoft.com/office/powerpoint/2010/main" val="215184273"/>
+        <p14:creationId xmlns:p14="http://schemas.microsoft.com/office/powerpoint/2010/main" val="3258882042"/>
       </p:ext>
     </p:extLst>
   </p:cSld>
@@ -5388,7 +5395,7 @@
           </a:p>
           <a:p>
             <a:r>
-              <a:rPr lang="en-US" dirty="0"/>
+              <a:rPr lang="en-US" b="1" dirty="0"/>
               <a:t>Population:</a:t>
             </a:r>
           </a:p>
@@ -5408,7 +5415,7 @@
           </a:p>
           <a:p>
             <a:r>
-              <a:rPr lang="en-US" dirty="0"/>
+              <a:rPr lang="en-US" b="1" dirty="0"/>
               <a:t>Sample:</a:t>
             </a:r>
           </a:p>
@@ -5949,7 +5956,12 @@
             <p:ph idx="1"/>
           </p:nvPr>
         </p:nvSpPr>
-        <p:spPr/>
+        <p:spPr>
+          <a:xfrm>
+            <a:off x="1451579" y="2015732"/>
+            <a:ext cx="9603275" cy="4037749"/>
+          </a:xfrm>
+        </p:spPr>
         <p:txBody>
           <a:bodyPr/>
           <a:lstStyle/>
@@ -5985,6 +5997,13 @@
             <a:r>
               <a:rPr lang="en-US" dirty="0"/>
               <a:t>When there is a continuous value, it is “binned” or split into segments and grouped. </a:t>
+            </a:r>
+          </a:p>
+          <a:p>
+            <a:pPr lvl="1"/>
+            <a:r>
+              <a:rPr lang="en-US" dirty="0"/>
+              <a:t>E.g. translation of a percentage grade into a letter grade. </a:t>
             </a:r>
           </a:p>
         </p:txBody>
@@ -6079,6 +6098,13 @@
             </a:r>
           </a:p>
           <a:p>
+            <a:pPr lvl="1"/>
+            <a:r>
+              <a:rPr lang="en-US" dirty="0"/>
+              <a:t>Can visualize it as if the bins of a histogram got infinitely small. </a:t>
+            </a:r>
+          </a:p>
+          <a:p>
             <a:r>
               <a:rPr lang="en-US" dirty="0"/>
               <a:t>Still counts how likely something is to occur. </a:t>
@@ -6093,12 +6119,6 @@
           <a:p>
             <a:r>
               <a:rPr lang="en-US" dirty="0"/>
-              <a:t>Can visualize it as if the bins of a histogram got infinitely small. </a:t>
-            </a:r>
-          </a:p>
-          <a:p>
-            <a:r>
-              <a:rPr lang="en-US" dirty="0"/>
               <a:t>Useful even when we don’t have the ability to count all the data (more on this later). </a:t>
             </a:r>
           </a:p>
@@ -6111,7 +6131,7 @@
           <a:p>
             <a:r>
               <a:rPr lang="en-US" dirty="0"/>
-              <a:t>While a histogram is based on sums, a density plot is based on calculus. </a:t>
+              <a:t>While a histogram is based on sums, a density plot is can be approximated by calculus. </a:t>
             </a:r>
           </a:p>
         </p:txBody>

--- a/reference_material/slides/003_Distribution_Basics.pptx
+++ b/reference_material/slides/003_Distribution_Basics.pptx
@@ -6,23 +6,33 @@
   </p:sldMasterIdLst>
   <p:sldIdLst>
     <p:sldId id="272" r:id="rId2"/>
-    <p:sldId id="256" r:id="rId3"/>
-    <p:sldId id="257" r:id="rId4"/>
-    <p:sldId id="273" r:id="rId5"/>
-    <p:sldId id="258" r:id="rId6"/>
-    <p:sldId id="259" r:id="rId7"/>
-    <p:sldId id="265" r:id="rId8"/>
-    <p:sldId id="264" r:id="rId9"/>
-    <p:sldId id="260" r:id="rId10"/>
-    <p:sldId id="266" r:id="rId11"/>
-    <p:sldId id="267" r:id="rId12"/>
-    <p:sldId id="269" r:id="rId13"/>
-    <p:sldId id="261" r:id="rId14"/>
-    <p:sldId id="268" r:id="rId15"/>
-    <p:sldId id="271" r:id="rId16"/>
-    <p:sldId id="270" r:id="rId17"/>
-    <p:sldId id="262" r:id="rId18"/>
-    <p:sldId id="263" r:id="rId19"/>
+    <p:sldId id="282" r:id="rId3"/>
+    <p:sldId id="256" r:id="rId4"/>
+    <p:sldId id="281" r:id="rId5"/>
+    <p:sldId id="257" r:id="rId6"/>
+    <p:sldId id="273" r:id="rId7"/>
+    <p:sldId id="258" r:id="rId8"/>
+    <p:sldId id="259" r:id="rId9"/>
+    <p:sldId id="265" r:id="rId10"/>
+    <p:sldId id="264" r:id="rId11"/>
+    <p:sldId id="260" r:id="rId12"/>
+    <p:sldId id="266" r:id="rId13"/>
+    <p:sldId id="267" r:id="rId14"/>
+    <p:sldId id="276" r:id="rId15"/>
+    <p:sldId id="283" r:id="rId16"/>
+    <p:sldId id="269" r:id="rId17"/>
+    <p:sldId id="277" r:id="rId18"/>
+    <p:sldId id="279" r:id="rId19"/>
+    <p:sldId id="278" r:id="rId20"/>
+    <p:sldId id="280" r:id="rId21"/>
+    <p:sldId id="270" r:id="rId22"/>
+    <p:sldId id="261" r:id="rId23"/>
+    <p:sldId id="268" r:id="rId24"/>
+    <p:sldId id="271" r:id="rId25"/>
+    <p:sldId id="262" r:id="rId26"/>
+    <p:sldId id="275" r:id="rId27"/>
+    <p:sldId id="263" r:id="rId28"/>
+    <p:sldId id="274" r:id="rId29"/>
   </p:sldIdLst>
   <p:sldSz cx="12192000" cy="6858000"/>
   <p:notesSz cx="6858000" cy="9144000"/>
@@ -268,7 +278,7 @@
           <a:p>
             <a:fld id="{37483FAA-8DCB-CF4A-AA5F-E981DB5CFF12}" type="datetimeFigureOut">
               <a:rPr lang="en-US" smtClean="0"/>
-              <a:t>8/20/25</a:t>
+              <a:t>9/12/25</a:t>
             </a:fld>
             <a:endParaRPr lang="en-US"/>
           </a:p>
@@ -479,7 +489,7 @@
           <a:p>
             <a:fld id="{37483FAA-8DCB-CF4A-AA5F-E981DB5CFF12}" type="datetimeFigureOut">
               <a:rPr lang="en-US" smtClean="0"/>
-              <a:t>8/20/25</a:t>
+              <a:t>9/12/25</a:t>
             </a:fld>
             <a:endParaRPr lang="en-US"/>
           </a:p>
@@ -694,7 +704,7 @@
           <a:p>
             <a:fld id="{37483FAA-8DCB-CF4A-AA5F-E981DB5CFF12}" type="datetimeFigureOut">
               <a:rPr lang="en-US" smtClean="0"/>
-              <a:t>8/20/25</a:t>
+              <a:t>9/12/25</a:t>
             </a:fld>
             <a:endParaRPr lang="en-US"/>
           </a:p>
@@ -895,7 +905,7 @@
           <a:p>
             <a:fld id="{37483FAA-8DCB-CF4A-AA5F-E981DB5CFF12}" type="datetimeFigureOut">
               <a:rPr lang="en-US" smtClean="0"/>
-              <a:t>8/20/25</a:t>
+              <a:t>9/12/25</a:t>
             </a:fld>
             <a:endParaRPr lang="en-US"/>
           </a:p>
@@ -1174,7 +1184,7 @@
           <a:p>
             <a:fld id="{37483FAA-8DCB-CF4A-AA5F-E981DB5CFF12}" type="datetimeFigureOut">
               <a:rPr lang="en-US" smtClean="0"/>
-              <a:t>8/20/25</a:t>
+              <a:t>9/12/25</a:t>
             </a:fld>
             <a:endParaRPr lang="en-US"/>
           </a:p>
@@ -1442,7 +1452,7 @@
           <a:p>
             <a:fld id="{37483FAA-8DCB-CF4A-AA5F-E981DB5CFF12}" type="datetimeFigureOut">
               <a:rPr lang="en-US" smtClean="0"/>
-              <a:t>8/20/25</a:t>
+              <a:t>9/12/25</a:t>
             </a:fld>
             <a:endParaRPr lang="en-US"/>
           </a:p>
@@ -1858,7 +1868,7 @@
           <a:p>
             <a:fld id="{37483FAA-8DCB-CF4A-AA5F-E981DB5CFF12}" type="datetimeFigureOut">
               <a:rPr lang="en-US" smtClean="0"/>
-              <a:t>8/20/25</a:t>
+              <a:t>9/12/25</a:t>
             </a:fld>
             <a:endParaRPr lang="en-US"/>
           </a:p>
@@ -2007,7 +2017,7 @@
           <a:p>
             <a:fld id="{37483FAA-8DCB-CF4A-AA5F-E981DB5CFF12}" type="datetimeFigureOut">
               <a:rPr lang="en-US" smtClean="0"/>
-              <a:t>8/20/25</a:t>
+              <a:t>9/12/25</a:t>
             </a:fld>
             <a:endParaRPr lang="en-US"/>
           </a:p>
@@ -2133,7 +2143,7 @@
           <a:p>
             <a:fld id="{37483FAA-8DCB-CF4A-AA5F-E981DB5CFF12}" type="datetimeFigureOut">
               <a:rPr lang="en-US" smtClean="0"/>
-              <a:t>8/20/25</a:t>
+              <a:t>9/12/25</a:t>
             </a:fld>
             <a:endParaRPr lang="en-US"/>
           </a:p>
@@ -2384,7 +2394,7 @@
           <a:p>
             <a:fld id="{37483FAA-8DCB-CF4A-AA5F-E981DB5CFF12}" type="datetimeFigureOut">
               <a:rPr lang="en-US" smtClean="0"/>
-              <a:t>8/20/25</a:t>
+              <a:t>9/12/25</a:t>
             </a:fld>
             <a:endParaRPr lang="en-US"/>
           </a:p>
@@ -2829,7 +2839,7 @@
           <a:p>
             <a:fld id="{37483FAA-8DCB-CF4A-AA5F-E981DB5CFF12}" type="datetimeFigureOut">
               <a:rPr lang="en-US" smtClean="0"/>
-              <a:t>8/20/25</a:t>
+              <a:t>9/12/25</a:t>
             </a:fld>
             <a:endParaRPr lang="en-US"/>
           </a:p>
@@ -3156,7 +3166,7 @@
           <a:p>
             <a:fld id="{37483FAA-8DCB-CF4A-AA5F-E981DB5CFF12}" type="datetimeFigureOut">
               <a:rPr lang="en-US" smtClean="0"/>
-              <a:t>8/20/25</a:t>
+              <a:t>9/12/25</a:t>
             </a:fld>
             <a:endParaRPr lang="en-US"/>
           </a:p>
@@ -3689,7 +3699,7 @@
         <p:spPr>
           <a:xfrm>
             <a:off x="688769" y="2010878"/>
-            <a:ext cx="5403714" cy="3448595"/>
+            <a:ext cx="5403714" cy="3717260"/>
           </a:xfrm>
         </p:spPr>
         <p:txBody>
@@ -3750,7 +3760,7 @@
             <a:pPr lvl="1"/>
             <a:r>
               <a:rPr lang="en-US" dirty="0"/>
-              <a:t>Examine those variables for type (num. v. cat) and basic stats (“middle” and “spread”). </a:t>
+              <a:t>Examine those variables for type (num. v. cat) and basic stats like location and dispersion. </a:t>
             </a:r>
           </a:p>
         </p:txBody>
@@ -3861,6 +3871,311 @@
 </file>
 
 <file path=ppt/slides/slide10.xml><?xml version="1.0" encoding="utf-8"?>
+<p:sld xmlns:a="http://schemas.openxmlformats.org/drawingml/2006/main" xmlns:r="http://schemas.openxmlformats.org/officeDocument/2006/relationships" xmlns:p="http://schemas.openxmlformats.org/presentationml/2006/main">
+  <p:cSld>
+    <p:spTree>
+      <p:nvGrpSpPr>
+        <p:cNvPr id="1" name=""/>
+        <p:cNvGrpSpPr/>
+        <p:nvPr/>
+      </p:nvGrpSpPr>
+      <p:grpSpPr>
+        <a:xfrm>
+          <a:off x="0" y="0"/>
+          <a:ext cx="0" cy="0"/>
+          <a:chOff x="0" y="0"/>
+          <a:chExt cx="0" cy="0"/>
+        </a:xfrm>
+      </p:grpSpPr>
+      <p:sp>
+        <p:nvSpPr>
+          <p:cNvPr id="2" name="Title 1">
+            <a:extLst>
+              <a:ext uri="{FF2B5EF4-FFF2-40B4-BE49-F238E27FC236}">
+                <a16:creationId xmlns:a16="http://schemas.microsoft.com/office/drawing/2014/main" id="{5194F1E9-3E05-C5EE-64A2-C4150779EB2E}"/>
+              </a:ext>
+            </a:extLst>
+          </p:cNvPr>
+          <p:cNvSpPr>
+            <a:spLocks noGrp="1"/>
+          </p:cNvSpPr>
+          <p:nvPr>
+            <p:ph type="title"/>
+          </p:nvPr>
+        </p:nvSpPr>
+        <p:spPr/>
+        <p:txBody>
+          <a:bodyPr/>
+          <a:lstStyle/>
+          <a:p>
+            <a:r>
+              <a:rPr lang="en-US" dirty="0"/>
+              <a:t>Histogram Keys</a:t>
+            </a:r>
+          </a:p>
+        </p:txBody>
+      </p:sp>
+      <p:sp>
+        <p:nvSpPr>
+          <p:cNvPr id="3" name="Content Placeholder 2">
+            <a:extLst>
+              <a:ext uri="{FF2B5EF4-FFF2-40B4-BE49-F238E27FC236}">
+                <a16:creationId xmlns:a16="http://schemas.microsoft.com/office/drawing/2014/main" id="{F6FFCF8D-E72C-A029-4B59-DA8E76BD9E68}"/>
+              </a:ext>
+            </a:extLst>
+          </p:cNvPr>
+          <p:cNvSpPr>
+            <a:spLocks noGrp="1"/>
+          </p:cNvSpPr>
+          <p:nvPr>
+            <p:ph idx="1"/>
+          </p:nvPr>
+        </p:nvSpPr>
+        <p:spPr>
+          <a:xfrm>
+            <a:off x="1451579" y="1952368"/>
+            <a:ext cx="9603275" cy="4101113"/>
+          </a:xfrm>
+        </p:spPr>
+        <p:txBody>
+          <a:bodyPr/>
+          <a:lstStyle/>
+          <a:p>
+            <a:r>
+              <a:rPr lang="en-US" dirty="0"/>
+              <a:t>The size of the bars, or the width of the bins* is flexible:</a:t>
+            </a:r>
+          </a:p>
+          <a:p>
+            <a:pPr lvl="1"/>
+            <a:r>
+              <a:rPr lang="en-US" dirty="0"/>
+              <a:t>Choose to illustrate the pattern in the data. </a:t>
+            </a:r>
+          </a:p>
+          <a:p>
+            <a:r>
+              <a:rPr lang="en-US" dirty="0"/>
+              <a:t>The Y axis is always a count of how many times something occurs. </a:t>
+            </a:r>
+          </a:p>
+          <a:p>
+            <a:r>
+              <a:rPr lang="en-US" dirty="0"/>
+              <a:t>The X axis is some numerical value – break the range into parts to generate the graph. </a:t>
+            </a:r>
+          </a:p>
+          <a:p>
+            <a:pPr lvl="1"/>
+            <a:r>
+              <a:rPr lang="en-US" dirty="0"/>
+              <a:t>This is called binning. </a:t>
+            </a:r>
+          </a:p>
+          <a:p>
+            <a:pPr lvl="1"/>
+            <a:r>
+              <a:rPr lang="en-US" dirty="0"/>
+              <a:t>E.g. translation of a percentage grade into a letter grade. </a:t>
+            </a:r>
+          </a:p>
+          <a:p>
+            <a:r>
+              <a:rPr lang="en-US" dirty="0"/>
+              <a:t>We can visually identify, and generally want to remove outliers. </a:t>
+            </a:r>
+          </a:p>
+        </p:txBody>
+      </p:sp>
+    </p:spTree>
+    <p:extLst>
+      <p:ext uri="{BB962C8B-B14F-4D97-AF65-F5344CB8AC3E}">
+        <p14:creationId xmlns:p14="http://schemas.microsoft.com/office/powerpoint/2010/main" val="3202998727"/>
+      </p:ext>
+    </p:extLst>
+  </p:cSld>
+  <p:clrMapOvr>
+    <a:masterClrMapping/>
+  </p:clrMapOvr>
+</p:sld>
+</file>
+
+<file path=ppt/slides/slide11.xml><?xml version="1.0" encoding="utf-8"?>
+<p:sld xmlns:a="http://schemas.openxmlformats.org/drawingml/2006/main" xmlns:r="http://schemas.openxmlformats.org/officeDocument/2006/relationships" xmlns:p="http://schemas.openxmlformats.org/presentationml/2006/main">
+  <p:cSld>
+    <p:spTree>
+      <p:nvGrpSpPr>
+        <p:cNvPr id="1" name=""/>
+        <p:cNvGrpSpPr/>
+        <p:nvPr/>
+      </p:nvGrpSpPr>
+      <p:grpSpPr>
+        <a:xfrm>
+          <a:off x="0" y="0"/>
+          <a:ext cx="0" cy="0"/>
+          <a:chOff x="0" y="0"/>
+          <a:chExt cx="0" cy="0"/>
+        </a:xfrm>
+      </p:grpSpPr>
+      <p:sp>
+        <p:nvSpPr>
+          <p:cNvPr id="2" name="Title 1">
+            <a:extLst>
+              <a:ext uri="{FF2B5EF4-FFF2-40B4-BE49-F238E27FC236}">
+                <a16:creationId xmlns:a16="http://schemas.microsoft.com/office/drawing/2014/main" id="{787523D9-7780-6F1E-AA54-3CE48D62E4CB}"/>
+              </a:ext>
+            </a:extLst>
+          </p:cNvPr>
+          <p:cNvSpPr>
+            <a:spLocks noGrp="1"/>
+          </p:cNvSpPr>
+          <p:nvPr>
+            <p:ph type="title"/>
+          </p:nvPr>
+        </p:nvSpPr>
+        <p:spPr/>
+        <p:txBody>
+          <a:bodyPr/>
+          <a:lstStyle/>
+          <a:p>
+            <a:r>
+              <a:rPr lang="en-US" dirty="0"/>
+              <a:t>Density Plots</a:t>
+            </a:r>
+          </a:p>
+        </p:txBody>
+      </p:sp>
+      <p:sp>
+        <p:nvSpPr>
+          <p:cNvPr id="3" name="Content Placeholder 2">
+            <a:extLst>
+              <a:ext uri="{FF2B5EF4-FFF2-40B4-BE49-F238E27FC236}">
+                <a16:creationId xmlns:a16="http://schemas.microsoft.com/office/drawing/2014/main" id="{0A6A68F8-CBA3-1B48-7D05-842D0B580638}"/>
+              </a:ext>
+            </a:extLst>
+          </p:cNvPr>
+          <p:cNvSpPr>
+            <a:spLocks noGrp="1"/>
+          </p:cNvSpPr>
+          <p:nvPr>
+            <p:ph idx="1"/>
+          </p:nvPr>
+        </p:nvSpPr>
+        <p:spPr>
+          <a:xfrm>
+            <a:off x="1451579" y="2658273"/>
+            <a:ext cx="9603275" cy="3395208"/>
+          </a:xfrm>
+        </p:spPr>
+        <p:txBody>
+          <a:bodyPr/>
+          <a:lstStyle/>
+          <a:p>
+            <a:r>
+              <a:rPr lang="en-US" dirty="0"/>
+              <a:t>Density plots are effectively a “continuous line” version of a histogram. </a:t>
+            </a:r>
+          </a:p>
+          <a:p>
+            <a:pPr lvl="1"/>
+            <a:r>
+              <a:rPr lang="en-US" dirty="0"/>
+              <a:t>Can visualize it as if the bins of a histogram got infinitely small – limit as width -&gt; 0. </a:t>
+            </a:r>
+          </a:p>
+          <a:p>
+            <a:r>
+              <a:rPr lang="en-US" dirty="0"/>
+              <a:t>Still counts how likely something is to occur. </a:t>
+            </a:r>
+          </a:p>
+          <a:p>
+            <a:r>
+              <a:rPr lang="en-US" dirty="0"/>
+              <a:t>Y axis is the density, or the percentage of values that have that value. </a:t>
+            </a:r>
+          </a:p>
+          <a:p>
+            <a:r>
+              <a:rPr lang="en-US" dirty="0"/>
+              <a:t>Useful even when we don’t have the ability to count all the data (more on this later). </a:t>
+            </a:r>
+          </a:p>
+          <a:p>
+            <a:r>
+              <a:rPr lang="en-US" dirty="0"/>
+              <a:t>Provides a smoothed estimation of the exact counts found in a histogram. </a:t>
+            </a:r>
+          </a:p>
+          <a:p>
+            <a:r>
+              <a:rPr lang="en-US" dirty="0"/>
+              <a:t>While a histogram is based on sums, a density plot is can be approximated by calculus. </a:t>
+            </a:r>
+          </a:p>
+        </p:txBody>
+      </p:sp>
+      <p:pic>
+        <p:nvPicPr>
+          <p:cNvPr id="3074" name="Picture 2" descr="Normal Distributions &amp; Bell Curves: Calculating Probabilities and  Percentages Using Areas Under a Bell Curve">
+            <a:extLst>
+              <a:ext uri="{FF2B5EF4-FFF2-40B4-BE49-F238E27FC236}">
+                <a16:creationId xmlns:a16="http://schemas.microsoft.com/office/drawing/2014/main" id="{0D8AEEAE-F173-4D33-BE02-532088804E68}"/>
+              </a:ext>
+            </a:extLst>
+          </p:cNvPr>
+          <p:cNvPicPr>
+            <a:picLocks noChangeAspect="1" noChangeArrowheads="1"/>
+          </p:cNvPicPr>
+          <p:nvPr/>
+        </p:nvPicPr>
+        <p:blipFill>
+          <a:blip r:embed="rId2">
+            <a:extLst>
+              <a:ext uri="{28A0092B-C50C-407E-A947-70E740481C1C}">
+                <a14:useLocalDpi xmlns:a14="http://schemas.microsoft.com/office/drawing/2010/main" val="0"/>
+              </a:ext>
+            </a:extLst>
+          </a:blip>
+          <a:srcRect/>
+          <a:stretch>
+            <a:fillRect/>
+          </a:stretch>
+        </p:blipFill>
+        <p:spPr bwMode="auto">
+          <a:xfrm>
+            <a:off x="4229624" y="-1"/>
+            <a:ext cx="7962376" cy="2658273"/>
+          </a:xfrm>
+          <a:prstGeom prst="rect">
+            <a:avLst/>
+          </a:prstGeom>
+          <a:noFill/>
+          <a:extLst>
+            <a:ext uri="{909E8E84-426E-40DD-AFC4-6F175D3DCCD1}">
+              <a14:hiddenFill xmlns:a14="http://schemas.microsoft.com/office/drawing/2010/main">
+                <a:solidFill>
+                  <a:srgbClr val="FFFFFF"/>
+                </a:solidFill>
+              </a14:hiddenFill>
+            </a:ext>
+          </a:extLst>
+        </p:spPr>
+      </p:pic>
+    </p:spTree>
+    <p:extLst>
+      <p:ext uri="{BB962C8B-B14F-4D97-AF65-F5344CB8AC3E}">
+        <p14:creationId xmlns:p14="http://schemas.microsoft.com/office/powerpoint/2010/main" val="1191623847"/>
+      </p:ext>
+    </p:extLst>
+  </p:cSld>
+  <p:clrMapOvr>
+    <a:masterClrMapping/>
+  </p:clrMapOvr>
+</p:sld>
+</file>
+
+<file path=ppt/slides/slide12.xml><?xml version="1.0" encoding="utf-8"?>
 <p:sld xmlns:a="http://schemas.openxmlformats.org/drawingml/2006/main" xmlns:r="http://schemas.openxmlformats.org/officeDocument/2006/relationships" xmlns:p="http://schemas.openxmlformats.org/presentationml/2006/main">
   <p:cSld>
     <p:spTree>
@@ -3987,7 +4302,7 @@
 </p:sld>
 </file>
 
-<file path=ppt/slides/slide11.xml><?xml version="1.0" encoding="utf-8"?>
+<file path=ppt/slides/slide13.xml><?xml version="1.0" encoding="utf-8"?>
 <p:sld xmlns:a="http://schemas.openxmlformats.org/drawingml/2006/main" xmlns:r="http://schemas.openxmlformats.org/officeDocument/2006/relationships" xmlns:p="http://schemas.openxmlformats.org/presentationml/2006/main">
   <p:cSld>
     <p:spTree>
@@ -4117,7 +4432,7 @@
 </p:sld>
 </file>
 
-<file path=ppt/slides/slide12.xml><?xml version="1.0" encoding="utf-8"?>
+<file path=ppt/slides/slide14.xml><?xml version="1.0" encoding="utf-8"?>
 <p:sld xmlns:a="http://schemas.openxmlformats.org/drawingml/2006/main" xmlns:r="http://schemas.openxmlformats.org/officeDocument/2006/relationships" xmlns:p="http://schemas.openxmlformats.org/presentationml/2006/main">
   <p:cSld>
     <p:spTree>
@@ -4139,7 +4454,7 @@
           <p:cNvPr id="2" name="Title 1">
             <a:extLst>
               <a:ext uri="{FF2B5EF4-FFF2-40B4-BE49-F238E27FC236}">
-                <a16:creationId xmlns:a16="http://schemas.microsoft.com/office/drawing/2014/main" id="{5CC8DABC-82B8-3704-FB88-EFE21674EA75}"/>
+                <a16:creationId xmlns:a16="http://schemas.microsoft.com/office/drawing/2014/main" id="{BF9A6F59-5613-D208-4CDD-F263E6B89CE1}"/>
               </a:ext>
             </a:extLst>
           </p:cNvPr>
@@ -4155,10 +4470,7 @@
           <a:bodyPr/>
           <a:lstStyle/>
           <a:p>
-            <a:r>
-              <a:rPr lang="en-US" dirty="0"/>
-              <a:t>Comparisons</a:t>
-            </a:r>
+            <a:endParaRPr lang="en-US"/>
           </a:p>
         </p:txBody>
       </p:sp>
@@ -4167,7 +4479,7 @@
           <p:cNvPr id="3" name="Content Placeholder 2">
             <a:extLst>
               <a:ext uri="{FF2B5EF4-FFF2-40B4-BE49-F238E27FC236}">
-                <a16:creationId xmlns:a16="http://schemas.microsoft.com/office/drawing/2014/main" id="{27E7D7DB-8118-FD80-1805-1C35225B2516}"/>
+                <a16:creationId xmlns:a16="http://schemas.microsoft.com/office/drawing/2014/main" id="{1C0E8E99-8C36-EA33-C978-B8CF03921744}"/>
               </a:ext>
             </a:extLst>
           </p:cNvPr>
@@ -4183,51 +4495,61 @@
           <a:bodyPr/>
           <a:lstStyle/>
           <a:p>
-            <a:r>
-              <a:rPr lang="en-US" dirty="0"/>
-              <a:t>Histograms and especially density plots help us see differences between groups. </a:t>
-            </a:r>
-          </a:p>
-          <a:p>
-            <a:pPr lvl="1"/>
-            <a:r>
-              <a:rPr lang="en-US" dirty="0"/>
-              <a:t>Why the “especially” there?</a:t>
-            </a:r>
-          </a:p>
-          <a:p>
-            <a:r>
-              <a:rPr lang="en-US" dirty="0"/>
-              <a:t>We can compare on a more advanced level than comparing means or medians:</a:t>
-            </a:r>
-          </a:p>
-          <a:p>
-            <a:pPr lvl="1"/>
-            <a:r>
-              <a:rPr lang="en-US" dirty="0"/>
-              <a:t>See if the two groups are the same shape. </a:t>
-            </a:r>
-          </a:p>
-          <a:p>
-            <a:pPr lvl="1"/>
-            <a:r>
-              <a:rPr lang="en-US" dirty="0"/>
-              <a:t>See if one is more “spread” than the other. </a:t>
-            </a:r>
-          </a:p>
-          <a:p>
-            <a:pPr lvl="1"/>
-            <a:r>
-              <a:rPr lang="en-US" dirty="0"/>
-              <a:t>Are there tails that make the averages look more similar?</a:t>
-            </a:r>
-          </a:p>
-        </p:txBody>
-      </p:sp>
+            <a:endParaRPr lang="en-US"/>
+          </a:p>
+        </p:txBody>
+      </p:sp>
+      <p:pic>
+        <p:nvPicPr>
+          <p:cNvPr id="4098" name="Picture 2" descr="Practical Probability Theory: All About That Single Random Variable |  Towards Data Science">
+            <a:extLst>
+              <a:ext uri="{FF2B5EF4-FFF2-40B4-BE49-F238E27FC236}">
+                <a16:creationId xmlns:a16="http://schemas.microsoft.com/office/drawing/2014/main" id="{63024950-AD30-C04C-5ABF-2049141EDF69}"/>
+              </a:ext>
+            </a:extLst>
+          </p:cNvPr>
+          <p:cNvPicPr>
+            <a:picLocks noChangeAspect="1" noChangeArrowheads="1"/>
+          </p:cNvPicPr>
+          <p:nvPr/>
+        </p:nvPicPr>
+        <p:blipFill>
+          <a:blip r:embed="rId2">
+            <a:extLst>
+              <a:ext uri="{28A0092B-C50C-407E-A947-70E740481C1C}">
+                <a14:useLocalDpi xmlns:a14="http://schemas.microsoft.com/office/drawing/2010/main" val="0"/>
+              </a:ext>
+            </a:extLst>
+          </a:blip>
+          <a:srcRect/>
+          <a:stretch>
+            <a:fillRect/>
+          </a:stretch>
+        </p:blipFill>
+        <p:spPr bwMode="auto">
+          <a:xfrm>
+            <a:off x="409575" y="0"/>
+            <a:ext cx="11371263" cy="6858000"/>
+          </a:xfrm>
+          <a:prstGeom prst="rect">
+            <a:avLst/>
+          </a:prstGeom>
+          <a:noFill/>
+          <a:extLst>
+            <a:ext uri="{909E8E84-426E-40DD-AFC4-6F175D3DCCD1}">
+              <a14:hiddenFill xmlns:a14="http://schemas.microsoft.com/office/drawing/2010/main">
+                <a:solidFill>
+                  <a:srgbClr val="FFFFFF"/>
+                </a:solidFill>
+              </a14:hiddenFill>
+            </a:ext>
+          </a:extLst>
+        </p:spPr>
+      </p:pic>
     </p:spTree>
     <p:extLst>
       <p:ext uri="{BB962C8B-B14F-4D97-AF65-F5344CB8AC3E}">
-        <p14:creationId xmlns:p14="http://schemas.microsoft.com/office/powerpoint/2010/main" val="3812512812"/>
+        <p14:creationId xmlns:p14="http://schemas.microsoft.com/office/powerpoint/2010/main" val="114457850"/>
       </p:ext>
     </p:extLst>
   </p:cSld>
@@ -4237,7 +4559,7 @@
 </p:sld>
 </file>
 
-<file path=ppt/slides/slide13.xml><?xml version="1.0" encoding="utf-8"?>
+<file path=ppt/slides/slide15.xml><?xml version="1.0" encoding="utf-8"?>
 <p:sld xmlns:a="http://schemas.openxmlformats.org/drawingml/2006/main" xmlns:r="http://schemas.openxmlformats.org/officeDocument/2006/relationships" xmlns:p="http://schemas.openxmlformats.org/presentationml/2006/main">
   <p:cSld>
     <p:spTree>
@@ -4259,6 +4581,1529 @@
           <p:cNvPr id="2" name="Title 1">
             <a:extLst>
               <a:ext uri="{FF2B5EF4-FFF2-40B4-BE49-F238E27FC236}">
+                <a16:creationId xmlns:a16="http://schemas.microsoft.com/office/drawing/2014/main" id="{26C01798-4A16-37B2-94F8-8903B6C29ED1}"/>
+              </a:ext>
+            </a:extLst>
+          </p:cNvPr>
+          <p:cNvSpPr>
+            <a:spLocks noGrp="1"/>
+          </p:cNvSpPr>
+          <p:nvPr>
+            <p:ph type="title"/>
+          </p:nvPr>
+        </p:nvSpPr>
+        <p:spPr>
+          <a:xfrm>
+            <a:off x="1451579" y="804519"/>
+            <a:ext cx="3882421" cy="1049235"/>
+          </a:xfrm>
+        </p:spPr>
+        <p:txBody>
+          <a:bodyPr/>
+          <a:lstStyle/>
+          <a:p>
+            <a:r>
+              <a:rPr lang="en-US" dirty="0"/>
+              <a:t>Distributions in tableau</a:t>
+            </a:r>
+          </a:p>
+        </p:txBody>
+      </p:sp>
+      <p:sp>
+        <p:nvSpPr>
+          <p:cNvPr id="3" name="Content Placeholder 2">
+            <a:extLst>
+              <a:ext uri="{FF2B5EF4-FFF2-40B4-BE49-F238E27FC236}">
+                <a16:creationId xmlns:a16="http://schemas.microsoft.com/office/drawing/2014/main" id="{7E955874-3803-C3BC-735E-0D0B173C94C0}"/>
+              </a:ext>
+            </a:extLst>
+          </p:cNvPr>
+          <p:cNvSpPr>
+            <a:spLocks noGrp="1"/>
+          </p:cNvSpPr>
+          <p:nvPr>
+            <p:ph idx="1"/>
+          </p:nvPr>
+        </p:nvSpPr>
+        <p:spPr>
+          <a:xfrm>
+            <a:off x="1451579" y="2015732"/>
+            <a:ext cx="3882421" cy="4037749"/>
+          </a:xfrm>
+        </p:spPr>
+        <p:txBody>
+          <a:bodyPr/>
+          <a:lstStyle/>
+          <a:p>
+            <a:r>
+              <a:rPr lang="en-US" dirty="0"/>
+              <a:t>We can make histograms from either </a:t>
+            </a:r>
+            <a:r>
+              <a:rPr lang="en-US" dirty="0" err="1"/>
+              <a:t>thinkplot</a:t>
+            </a:r>
+            <a:r>
+              <a:rPr lang="en-US" dirty="0"/>
+              <a:t> or seaborn. </a:t>
+            </a:r>
+          </a:p>
+          <a:p>
+            <a:pPr lvl="1"/>
+            <a:r>
+              <a:rPr lang="en-US" dirty="0"/>
+              <a:t>Or any other plotting libraries.</a:t>
+            </a:r>
+          </a:p>
+          <a:p>
+            <a:r>
+              <a:rPr lang="en-US" dirty="0"/>
+              <a:t>If looking at a full dataset, seaborn also offers a </a:t>
+            </a:r>
+            <a:r>
+              <a:rPr lang="en-US" dirty="0" err="1"/>
+              <a:t>pairplot</a:t>
+            </a:r>
+            <a:r>
+              <a:rPr lang="en-US" dirty="0"/>
+              <a:t>:</a:t>
+            </a:r>
+          </a:p>
+          <a:p>
+            <a:pPr lvl="1"/>
+            <a:r>
+              <a:rPr lang="en-US" dirty="0"/>
+              <a:t>All distributions. </a:t>
+            </a:r>
+          </a:p>
+          <a:p>
+            <a:pPr lvl="1"/>
+            <a:r>
+              <a:rPr lang="en-US" dirty="0"/>
+              <a:t>All pairs of scatter plots. </a:t>
+            </a:r>
+          </a:p>
+          <a:p>
+            <a:pPr lvl="1"/>
+            <a:r>
+              <a:rPr lang="en-US" dirty="0"/>
+              <a:t>This is what I usually use.</a:t>
+            </a:r>
+          </a:p>
+        </p:txBody>
+      </p:sp>
+      <p:pic>
+        <p:nvPicPr>
+          <p:cNvPr id="2050" name="Picture 2">
+            <a:extLst>
+              <a:ext uri="{FF2B5EF4-FFF2-40B4-BE49-F238E27FC236}">
+                <a16:creationId xmlns:a16="http://schemas.microsoft.com/office/drawing/2014/main" id="{162F0830-332C-6270-0491-68971A507CA3}"/>
+              </a:ext>
+            </a:extLst>
+          </p:cNvPr>
+          <p:cNvPicPr>
+            <a:picLocks noChangeAspect="1" noChangeArrowheads="1"/>
+          </p:cNvPicPr>
+          <p:nvPr/>
+        </p:nvPicPr>
+        <p:blipFill>
+          <a:blip r:embed="rId2">
+            <a:extLst>
+              <a:ext uri="{28A0092B-C50C-407E-A947-70E740481C1C}">
+                <a14:useLocalDpi xmlns:a14="http://schemas.microsoft.com/office/drawing/2010/main" val="0"/>
+              </a:ext>
+            </a:extLst>
+          </a:blip>
+          <a:srcRect/>
+          <a:stretch>
+            <a:fillRect/>
+          </a:stretch>
+        </p:blipFill>
+        <p:spPr bwMode="auto">
+          <a:xfrm>
+            <a:off x="5334000" y="0"/>
+            <a:ext cx="6858000" cy="6858000"/>
+          </a:xfrm>
+          <a:prstGeom prst="rect">
+            <a:avLst/>
+          </a:prstGeom>
+          <a:noFill/>
+          <a:extLst>
+            <a:ext uri="{909E8E84-426E-40DD-AFC4-6F175D3DCCD1}">
+              <a14:hiddenFill xmlns:a14="http://schemas.microsoft.com/office/drawing/2010/main">
+                <a:solidFill>
+                  <a:srgbClr val="FFFFFF"/>
+                </a:solidFill>
+              </a14:hiddenFill>
+            </a:ext>
+          </a:extLst>
+        </p:spPr>
+      </p:pic>
+    </p:spTree>
+    <p:extLst>
+      <p:ext uri="{BB962C8B-B14F-4D97-AF65-F5344CB8AC3E}">
+        <p14:creationId xmlns:p14="http://schemas.microsoft.com/office/powerpoint/2010/main" val="457181828"/>
+      </p:ext>
+    </p:extLst>
+  </p:cSld>
+  <p:clrMapOvr>
+    <a:masterClrMapping/>
+  </p:clrMapOvr>
+</p:sld>
+</file>
+
+<file path=ppt/slides/slide16.xml><?xml version="1.0" encoding="utf-8"?>
+<p:sld xmlns:a="http://schemas.openxmlformats.org/drawingml/2006/main" xmlns:r="http://schemas.openxmlformats.org/officeDocument/2006/relationships" xmlns:p="http://schemas.openxmlformats.org/presentationml/2006/main">
+  <p:cSld>
+    <p:spTree>
+      <p:nvGrpSpPr>
+        <p:cNvPr id="1" name=""/>
+        <p:cNvGrpSpPr/>
+        <p:nvPr/>
+      </p:nvGrpSpPr>
+      <p:grpSpPr>
+        <a:xfrm>
+          <a:off x="0" y="0"/>
+          <a:ext cx="0" cy="0"/>
+          <a:chOff x="0" y="0"/>
+          <a:chExt cx="0" cy="0"/>
+        </a:xfrm>
+      </p:grpSpPr>
+      <p:sp>
+        <p:nvSpPr>
+          <p:cNvPr id="2" name="Title 1">
+            <a:extLst>
+              <a:ext uri="{FF2B5EF4-FFF2-40B4-BE49-F238E27FC236}">
+                <a16:creationId xmlns:a16="http://schemas.microsoft.com/office/drawing/2014/main" id="{5CC8DABC-82B8-3704-FB88-EFE21674EA75}"/>
+              </a:ext>
+            </a:extLst>
+          </p:cNvPr>
+          <p:cNvSpPr>
+            <a:spLocks noGrp="1"/>
+          </p:cNvSpPr>
+          <p:nvPr>
+            <p:ph type="title"/>
+          </p:nvPr>
+        </p:nvSpPr>
+        <p:spPr/>
+        <p:txBody>
+          <a:bodyPr/>
+          <a:lstStyle/>
+          <a:p>
+            <a:r>
+              <a:rPr lang="en-US" dirty="0"/>
+              <a:t>Applying Distributions - Comparisons</a:t>
+            </a:r>
+          </a:p>
+        </p:txBody>
+      </p:sp>
+      <p:sp>
+        <p:nvSpPr>
+          <p:cNvPr id="3" name="Content Placeholder 2">
+            <a:extLst>
+              <a:ext uri="{FF2B5EF4-FFF2-40B4-BE49-F238E27FC236}">
+                <a16:creationId xmlns:a16="http://schemas.microsoft.com/office/drawing/2014/main" id="{27E7D7DB-8118-FD80-1805-1C35225B2516}"/>
+              </a:ext>
+            </a:extLst>
+          </p:cNvPr>
+          <p:cNvSpPr>
+            <a:spLocks noGrp="1"/>
+          </p:cNvSpPr>
+          <p:nvPr>
+            <p:ph idx="1"/>
+          </p:nvPr>
+        </p:nvSpPr>
+        <p:spPr>
+          <a:xfrm>
+            <a:off x="2434590" y="1853754"/>
+            <a:ext cx="8620264" cy="3612591"/>
+          </a:xfrm>
+        </p:spPr>
+        <p:txBody>
+          <a:bodyPr/>
+          <a:lstStyle/>
+          <a:p>
+            <a:r>
+              <a:rPr lang="en-US" dirty="0"/>
+              <a:t>Histograms and especially density plots help us see differences between groups. </a:t>
+            </a:r>
+          </a:p>
+          <a:p>
+            <a:pPr lvl="1"/>
+            <a:r>
+              <a:rPr lang="en-US" dirty="0"/>
+              <a:t>Why the “especially” there?</a:t>
+            </a:r>
+          </a:p>
+          <a:p>
+            <a:r>
+              <a:rPr lang="en-US" dirty="0"/>
+              <a:t>We can compare on a more advanced level than comparing means or medians:</a:t>
+            </a:r>
+          </a:p>
+          <a:p>
+            <a:pPr lvl="1"/>
+            <a:r>
+              <a:rPr lang="en-US" dirty="0"/>
+              <a:t>See if the two groups are the same shape (distribution). </a:t>
+            </a:r>
+          </a:p>
+          <a:p>
+            <a:pPr lvl="1"/>
+            <a:r>
+              <a:rPr lang="en-US" dirty="0"/>
+              <a:t>See if one is more “spread” than the other. </a:t>
+            </a:r>
+          </a:p>
+          <a:p>
+            <a:pPr lvl="1"/>
+            <a:r>
+              <a:rPr lang="en-US" dirty="0"/>
+              <a:t>Are there tails that make the averages look more similar?</a:t>
+            </a:r>
+          </a:p>
+          <a:p>
+            <a:pPr lvl="1"/>
+            <a:r>
+              <a:rPr lang="en-US" dirty="0"/>
+              <a:t>These all have identical mean, std dev, variance…</a:t>
+            </a:r>
+          </a:p>
+        </p:txBody>
+      </p:sp>
+      <p:pic>
+        <p:nvPicPr>
+          <p:cNvPr id="1026" name="Picture 2" descr="Performing a T-Test in Python - KDnuggets">
+            <a:extLst>
+              <a:ext uri="{FF2B5EF4-FFF2-40B4-BE49-F238E27FC236}">
+                <a16:creationId xmlns:a16="http://schemas.microsoft.com/office/drawing/2014/main" id="{0C36984A-2E69-6AEA-699B-5195C993B09C}"/>
+              </a:ext>
+            </a:extLst>
+          </p:cNvPr>
+          <p:cNvPicPr>
+            <a:picLocks noChangeAspect="1" noChangeArrowheads="1"/>
+          </p:cNvPicPr>
+          <p:nvPr/>
+        </p:nvPicPr>
+        <p:blipFill rotWithShape="1">
+          <a:blip r:embed="rId2">
+            <a:extLst>
+              <a:ext uri="{28A0092B-C50C-407E-A947-70E740481C1C}">
+                <a14:useLocalDpi xmlns:a14="http://schemas.microsoft.com/office/drawing/2010/main" val="0"/>
+              </a:ext>
+            </a:extLst>
+          </a:blip>
+          <a:srcRect l="6615" t="11731" r="6615" b="5225"/>
+          <a:stretch>
+            <a:fillRect/>
+          </a:stretch>
+        </p:blipFill>
+        <p:spPr bwMode="auto">
+          <a:xfrm>
+            <a:off x="7780709" y="4324864"/>
+            <a:ext cx="4411291" cy="2533136"/>
+          </a:xfrm>
+          <a:prstGeom prst="rect">
+            <a:avLst/>
+          </a:prstGeom>
+          <a:noFill/>
+          <a:extLst>
+            <a:ext uri="{909E8E84-426E-40DD-AFC4-6F175D3DCCD1}">
+              <a14:hiddenFill xmlns:a14="http://schemas.microsoft.com/office/drawing/2010/main">
+                <a:solidFill>
+                  <a:srgbClr val="FFFFFF"/>
+                </a:solidFill>
+              </a14:hiddenFill>
+            </a:ext>
+          </a:extLst>
+        </p:spPr>
+      </p:pic>
+      <p:pic>
+        <p:nvPicPr>
+          <p:cNvPr id="4" name="Picture 2" descr="Scatterplots of four different datasets known as Anscombe's quartet... |  Download Scientific Diagram">
+            <a:extLst>
+              <a:ext uri="{FF2B5EF4-FFF2-40B4-BE49-F238E27FC236}">
+                <a16:creationId xmlns:a16="http://schemas.microsoft.com/office/drawing/2014/main" id="{ACE5DB5F-37D1-32F0-0129-39E1E9C6A4D4}"/>
+              </a:ext>
+            </a:extLst>
+          </p:cNvPr>
+          <p:cNvPicPr>
+            <a:picLocks noChangeAspect="1" noChangeArrowheads="1"/>
+          </p:cNvPicPr>
+          <p:nvPr/>
+        </p:nvPicPr>
+        <p:blipFill>
+          <a:blip r:embed="rId3">
+            <a:extLst>
+              <a:ext uri="{28A0092B-C50C-407E-A947-70E740481C1C}">
+                <a14:useLocalDpi xmlns:a14="http://schemas.microsoft.com/office/drawing/2010/main" val="0"/>
+              </a:ext>
+            </a:extLst>
+          </a:blip>
+          <a:srcRect/>
+          <a:stretch>
+            <a:fillRect/>
+          </a:stretch>
+        </p:blipFill>
+        <p:spPr bwMode="auto">
+          <a:xfrm>
+            <a:off x="20025" y="4163599"/>
+            <a:ext cx="2928915" cy="2694402"/>
+          </a:xfrm>
+          <a:prstGeom prst="rect">
+            <a:avLst/>
+          </a:prstGeom>
+          <a:noFill/>
+          <a:extLst>
+            <a:ext uri="{909E8E84-426E-40DD-AFC4-6F175D3DCCD1}">
+              <a14:hiddenFill xmlns:a14="http://schemas.microsoft.com/office/drawing/2010/main">
+                <a:solidFill>
+                  <a:srgbClr val="FFFFFF"/>
+                </a:solidFill>
+              </a14:hiddenFill>
+            </a:ext>
+          </a:extLst>
+        </p:spPr>
+      </p:pic>
+    </p:spTree>
+    <p:extLst>
+      <p:ext uri="{BB962C8B-B14F-4D97-AF65-F5344CB8AC3E}">
+        <p14:creationId xmlns:p14="http://schemas.microsoft.com/office/powerpoint/2010/main" val="3812512812"/>
+      </p:ext>
+    </p:extLst>
+  </p:cSld>
+  <p:clrMapOvr>
+    <a:masterClrMapping/>
+  </p:clrMapOvr>
+</p:sld>
+</file>
+
+<file path=ppt/slides/slide17.xml><?xml version="1.0" encoding="utf-8"?>
+<p:sld xmlns:a="http://schemas.openxmlformats.org/drawingml/2006/main" xmlns:r="http://schemas.openxmlformats.org/officeDocument/2006/relationships" xmlns:p="http://schemas.openxmlformats.org/presentationml/2006/main">
+  <p:cSld>
+    <p:spTree>
+      <p:nvGrpSpPr>
+        <p:cNvPr id="1" name=""/>
+        <p:cNvGrpSpPr/>
+        <p:nvPr/>
+      </p:nvGrpSpPr>
+      <p:grpSpPr>
+        <a:xfrm>
+          <a:off x="0" y="0"/>
+          <a:ext cx="0" cy="0"/>
+          <a:chOff x="0" y="0"/>
+          <a:chExt cx="0" cy="0"/>
+        </a:xfrm>
+      </p:grpSpPr>
+      <p:sp>
+        <p:nvSpPr>
+          <p:cNvPr id="2" name="Title 1">
+            <a:extLst>
+              <a:ext uri="{FF2B5EF4-FFF2-40B4-BE49-F238E27FC236}">
+                <a16:creationId xmlns:a16="http://schemas.microsoft.com/office/drawing/2014/main" id="{E87C5F70-7F90-FA14-3B67-4B9A6A5B7652}"/>
+              </a:ext>
+            </a:extLst>
+          </p:cNvPr>
+          <p:cNvSpPr>
+            <a:spLocks noGrp="1"/>
+          </p:cNvSpPr>
+          <p:nvPr>
+            <p:ph type="title"/>
+          </p:nvPr>
+        </p:nvSpPr>
+        <p:spPr/>
+        <p:txBody>
+          <a:bodyPr/>
+          <a:lstStyle/>
+          <a:p>
+            <a:r>
+              <a:rPr lang="en-US" dirty="0"/>
+              <a:t>Effect Size</a:t>
+            </a:r>
+          </a:p>
+        </p:txBody>
+      </p:sp>
+      <p:sp>
+        <p:nvSpPr>
+          <p:cNvPr id="3" name="Content Placeholder 2">
+            <a:extLst>
+              <a:ext uri="{FF2B5EF4-FFF2-40B4-BE49-F238E27FC236}">
+                <a16:creationId xmlns:a16="http://schemas.microsoft.com/office/drawing/2014/main" id="{EAAC80F8-C4CC-20B8-A256-A4EB0D8C711E}"/>
+              </a:ext>
+            </a:extLst>
+          </p:cNvPr>
+          <p:cNvSpPr>
+            <a:spLocks noGrp="1"/>
+          </p:cNvSpPr>
+          <p:nvPr>
+            <p:ph idx="1"/>
+          </p:nvPr>
+        </p:nvSpPr>
+        <p:spPr>
+          <a:xfrm>
+            <a:off x="525780" y="1853754"/>
+            <a:ext cx="5646421" cy="4290986"/>
+          </a:xfrm>
+        </p:spPr>
+        <p:txBody>
+          <a:bodyPr>
+            <a:normAutofit/>
+          </a:bodyPr>
+          <a:lstStyle/>
+          <a:p>
+            <a:r>
+              <a:rPr lang="en-US" dirty="0"/>
+              <a:t>If we compare two groups of data (e.g. income male vs female, life exp. control vs treatment) how do we do it? </a:t>
+            </a:r>
+          </a:p>
+          <a:p>
+            <a:pPr lvl="1"/>
+            <a:r>
+              <a:rPr lang="en-US" dirty="0"/>
+              <a:t>Just mean or median doesn’t tell the whole story. </a:t>
+            </a:r>
+          </a:p>
+          <a:p>
+            <a:r>
+              <a:rPr lang="en-US" dirty="0"/>
+              <a:t>Effect size measures if there’s a difference in groups. </a:t>
+            </a:r>
+          </a:p>
+          <a:p>
+            <a:pPr lvl="1"/>
+            <a:r>
+              <a:rPr lang="en-US" dirty="0"/>
+              <a:t>Comparison that encompasses size and dispersion. </a:t>
+            </a:r>
+          </a:p>
+          <a:p>
+            <a:pPr lvl="1"/>
+            <a:r>
+              <a:rPr lang="en-US" dirty="0"/>
+              <a:t>Measures ‘how different’ are these two samples. </a:t>
+            </a:r>
+          </a:p>
+          <a:p>
+            <a:r>
+              <a:rPr lang="en-US" dirty="0"/>
+              <a:t>Roughly – given the variation from item to item is the difference from group to group noticeable?</a:t>
+            </a:r>
+          </a:p>
+        </p:txBody>
+      </p:sp>
+      <p:pic>
+        <p:nvPicPr>
+          <p:cNvPr id="6146" name="Picture 2" descr="What Does Effect Size Tell You?">
+            <a:extLst>
+              <a:ext uri="{FF2B5EF4-FFF2-40B4-BE49-F238E27FC236}">
+                <a16:creationId xmlns:a16="http://schemas.microsoft.com/office/drawing/2014/main" id="{23A8ECE8-ED19-49C8-21E8-6D73DEC61C5C}"/>
+              </a:ext>
+            </a:extLst>
+          </p:cNvPr>
+          <p:cNvPicPr>
+            <a:picLocks noChangeAspect="1" noChangeArrowheads="1"/>
+          </p:cNvPicPr>
+          <p:nvPr/>
+        </p:nvPicPr>
+        <p:blipFill>
+          <a:blip r:embed="rId2">
+            <a:extLst>
+              <a:ext uri="{28A0092B-C50C-407E-A947-70E740481C1C}">
+                <a14:useLocalDpi xmlns:a14="http://schemas.microsoft.com/office/drawing/2010/main" val="0"/>
+              </a:ext>
+            </a:extLst>
+          </a:blip>
+          <a:srcRect/>
+          <a:stretch>
+            <a:fillRect/>
+          </a:stretch>
+        </p:blipFill>
+        <p:spPr bwMode="auto">
+          <a:xfrm>
+            <a:off x="6172200" y="3299941"/>
+            <a:ext cx="6019800" cy="2844800"/>
+          </a:xfrm>
+          <a:prstGeom prst="rect">
+            <a:avLst/>
+          </a:prstGeom>
+          <a:noFill/>
+          <a:extLst>
+            <a:ext uri="{909E8E84-426E-40DD-AFC4-6F175D3DCCD1}">
+              <a14:hiddenFill xmlns:a14="http://schemas.microsoft.com/office/drawing/2010/main">
+                <a:solidFill>
+                  <a:srgbClr val="FFFFFF"/>
+                </a:solidFill>
+              </a14:hiddenFill>
+            </a:ext>
+          </a:extLst>
+        </p:spPr>
+      </p:pic>
+      <p:pic>
+        <p:nvPicPr>
+          <p:cNvPr id="6148" name="Picture 4" descr="Effect Size for Independent T-Test: Quantifying Group Differences">
+            <a:extLst>
+              <a:ext uri="{FF2B5EF4-FFF2-40B4-BE49-F238E27FC236}">
+                <a16:creationId xmlns:a16="http://schemas.microsoft.com/office/drawing/2014/main" id="{4925C18A-9D94-9C38-DDFB-2F144354A178}"/>
+              </a:ext>
+            </a:extLst>
+          </p:cNvPr>
+          <p:cNvPicPr>
+            <a:picLocks noChangeAspect="1" noChangeArrowheads="1"/>
+          </p:cNvPicPr>
+          <p:nvPr/>
+        </p:nvPicPr>
+        <p:blipFill>
+          <a:blip r:embed="rId3">
+            <a:extLst>
+              <a:ext uri="{28A0092B-C50C-407E-A947-70E740481C1C}">
+                <a14:useLocalDpi xmlns:a14="http://schemas.microsoft.com/office/drawing/2010/main" val="0"/>
+              </a:ext>
+            </a:extLst>
+          </a:blip>
+          <a:srcRect/>
+          <a:stretch>
+            <a:fillRect/>
+          </a:stretch>
+        </p:blipFill>
+        <p:spPr bwMode="auto">
+          <a:xfrm>
+            <a:off x="6832600" y="1471141"/>
+            <a:ext cx="5359400" cy="1828800"/>
+          </a:xfrm>
+          <a:prstGeom prst="rect">
+            <a:avLst/>
+          </a:prstGeom>
+          <a:noFill/>
+          <a:extLst>
+            <a:ext uri="{909E8E84-426E-40DD-AFC4-6F175D3DCCD1}">
+              <a14:hiddenFill xmlns:a14="http://schemas.microsoft.com/office/drawing/2010/main">
+                <a:solidFill>
+                  <a:srgbClr val="FFFFFF"/>
+                </a:solidFill>
+              </a14:hiddenFill>
+            </a:ext>
+          </a:extLst>
+        </p:spPr>
+      </p:pic>
+      <p:pic>
+        <p:nvPicPr>
+          <p:cNvPr id="3076" name="Picture 4" descr="Variance: Definition, Formula and Step-by-Step Examples | Indeed.com">
+            <a:extLst>
+              <a:ext uri="{FF2B5EF4-FFF2-40B4-BE49-F238E27FC236}">
+                <a16:creationId xmlns:a16="http://schemas.microsoft.com/office/drawing/2014/main" id="{BDD27568-BA50-F575-C2BB-88445914A529}"/>
+              </a:ext>
+            </a:extLst>
+          </p:cNvPr>
+          <p:cNvPicPr>
+            <a:picLocks noChangeAspect="1" noChangeArrowheads="1"/>
+          </p:cNvPicPr>
+          <p:nvPr/>
+        </p:nvPicPr>
+        <p:blipFill>
+          <a:blip r:embed="rId4">
+            <a:extLst>
+              <a:ext uri="{28A0092B-C50C-407E-A947-70E740481C1C}">
+                <a14:useLocalDpi xmlns:a14="http://schemas.microsoft.com/office/drawing/2010/main" val="0"/>
+              </a:ext>
+            </a:extLst>
+          </a:blip>
+          <a:srcRect/>
+          <a:stretch>
+            <a:fillRect/>
+          </a:stretch>
+        </p:blipFill>
+        <p:spPr bwMode="auto">
+          <a:xfrm>
+            <a:off x="8632944" y="24954"/>
+            <a:ext cx="3559056" cy="1446187"/>
+          </a:xfrm>
+          <a:prstGeom prst="rect">
+            <a:avLst/>
+          </a:prstGeom>
+          <a:noFill/>
+          <a:extLst>
+            <a:ext uri="{909E8E84-426E-40DD-AFC4-6F175D3DCCD1}">
+              <a14:hiddenFill xmlns:a14="http://schemas.microsoft.com/office/drawing/2010/main">
+                <a:solidFill>
+                  <a:srgbClr val="FFFFFF"/>
+                </a:solidFill>
+              </a14:hiddenFill>
+            </a:ext>
+          </a:extLst>
+        </p:spPr>
+      </p:pic>
+    </p:spTree>
+    <p:extLst>
+      <p:ext uri="{BB962C8B-B14F-4D97-AF65-F5344CB8AC3E}">
+        <p14:creationId xmlns:p14="http://schemas.microsoft.com/office/powerpoint/2010/main" val="1406389131"/>
+      </p:ext>
+    </p:extLst>
+  </p:cSld>
+  <p:clrMapOvr>
+    <a:masterClrMapping/>
+  </p:clrMapOvr>
+</p:sld>
+</file>
+
+<file path=ppt/slides/slide18.xml><?xml version="1.0" encoding="utf-8"?>
+<p:sld xmlns:a="http://schemas.openxmlformats.org/drawingml/2006/main" xmlns:r="http://schemas.openxmlformats.org/officeDocument/2006/relationships" xmlns:p="http://schemas.openxmlformats.org/presentationml/2006/main">
+  <p:cSld>
+    <p:spTree>
+      <p:nvGrpSpPr>
+        <p:cNvPr id="1" name=""/>
+        <p:cNvGrpSpPr/>
+        <p:nvPr/>
+      </p:nvGrpSpPr>
+      <p:grpSpPr>
+        <a:xfrm>
+          <a:off x="0" y="0"/>
+          <a:ext cx="0" cy="0"/>
+          <a:chOff x="0" y="0"/>
+          <a:chExt cx="0" cy="0"/>
+        </a:xfrm>
+      </p:grpSpPr>
+      <p:sp>
+        <p:nvSpPr>
+          <p:cNvPr id="2" name="Title 1">
+            <a:extLst>
+              <a:ext uri="{FF2B5EF4-FFF2-40B4-BE49-F238E27FC236}">
+                <a16:creationId xmlns:a16="http://schemas.microsoft.com/office/drawing/2014/main" id="{81223D47-A6CE-0F3F-610B-7329E7CBA4AB}"/>
+              </a:ext>
+            </a:extLst>
+          </p:cNvPr>
+          <p:cNvSpPr>
+            <a:spLocks noGrp="1"/>
+          </p:cNvSpPr>
+          <p:nvPr>
+            <p:ph type="title"/>
+          </p:nvPr>
+        </p:nvSpPr>
+        <p:spPr/>
+        <p:txBody>
+          <a:bodyPr/>
+          <a:lstStyle/>
+          <a:p>
+            <a:r>
+              <a:rPr lang="en-US" dirty="0"/>
+              <a:t>Steak to Nuts</a:t>
+            </a:r>
+          </a:p>
+        </p:txBody>
+      </p:sp>
+      <p:sp>
+        <p:nvSpPr>
+          <p:cNvPr id="3" name="Content Placeholder 2">
+            <a:extLst>
+              <a:ext uri="{FF2B5EF4-FFF2-40B4-BE49-F238E27FC236}">
+                <a16:creationId xmlns:a16="http://schemas.microsoft.com/office/drawing/2014/main" id="{3FECA995-B384-75F9-F982-9DC322143DD9}"/>
+              </a:ext>
+            </a:extLst>
+          </p:cNvPr>
+          <p:cNvSpPr>
+            <a:spLocks noGrp="1"/>
+          </p:cNvSpPr>
+          <p:nvPr>
+            <p:ph idx="1"/>
+          </p:nvPr>
+        </p:nvSpPr>
+        <p:spPr>
+          <a:xfrm>
+            <a:off x="777766" y="2554223"/>
+            <a:ext cx="11328890" cy="3573307"/>
+          </a:xfrm>
+        </p:spPr>
+        <p:txBody>
+          <a:bodyPr>
+            <a:normAutofit/>
+          </a:bodyPr>
+          <a:lstStyle/>
+          <a:p>
+            <a:r>
+              <a:rPr lang="en-US" dirty="0"/>
+              <a:t>Think of two groups that have different amounts of variance. </a:t>
+            </a:r>
+          </a:p>
+          <a:p>
+            <a:pPr lvl="1"/>
+            <a:r>
+              <a:rPr lang="en-US" dirty="0"/>
+              <a:t>Steaks are cut by hand to be a certain thickness, but there’s some variation. (High variance)</a:t>
+            </a:r>
+          </a:p>
+          <a:p>
+            <a:pPr lvl="1"/>
+            <a:r>
+              <a:rPr lang="en-US" dirty="0"/>
+              <a:t>Bolts made in a factory are spec’d to be a certain size +/- some very small amount. (Low variance)</a:t>
+            </a:r>
+          </a:p>
+          <a:p>
+            <a:r>
+              <a:rPr lang="en-US" dirty="0"/>
+              <a:t>If we compared two groups of steaks and noticed that one was slightly larger than another, that may be due to natural variance in cutting – there’s likely no </a:t>
+            </a:r>
+            <a:r>
+              <a:rPr lang="en-US" i="1" dirty="0"/>
+              <a:t>real</a:t>
+            </a:r>
+            <a:r>
+              <a:rPr lang="en-US" dirty="0"/>
+              <a:t> difference in the two groups. If there was a similar difference in the size of two sets of bolts, that’d indicate they are different types/sizes as bolts barely differ normally – diff size groups is weird.</a:t>
+            </a:r>
+          </a:p>
+          <a:p>
+            <a:r>
+              <a:rPr lang="en-US" dirty="0"/>
+              <a:t>If there’s high variance many items could be in either group, if low variance each item ‘belongs’ in one. </a:t>
+            </a:r>
+          </a:p>
+        </p:txBody>
+      </p:sp>
+      <p:grpSp>
+        <p:nvGrpSpPr>
+          <p:cNvPr id="4" name="Group 3">
+            <a:extLst>
+              <a:ext uri="{FF2B5EF4-FFF2-40B4-BE49-F238E27FC236}">
+                <a16:creationId xmlns:a16="http://schemas.microsoft.com/office/drawing/2014/main" id="{86A12C80-7BD4-9670-3E94-114A3BB03B0D}"/>
+              </a:ext>
+            </a:extLst>
+          </p:cNvPr>
+          <p:cNvGrpSpPr/>
+          <p:nvPr/>
+        </p:nvGrpSpPr>
+        <p:grpSpPr>
+          <a:xfrm>
+            <a:off x="5950226" y="0"/>
+            <a:ext cx="6241774" cy="2554225"/>
+            <a:chOff x="2402681" y="3836194"/>
+            <a:chExt cx="7277237" cy="3021807"/>
+          </a:xfrm>
+        </p:grpSpPr>
+        <p:pic>
+          <p:nvPicPr>
+            <p:cNvPr id="7170" name="Picture 2" descr="Knife Skills: How to Cut a Whole Beef Strip Loin Into Steaks">
+              <a:extLst>
+                <a:ext uri="{FF2B5EF4-FFF2-40B4-BE49-F238E27FC236}">
+                  <a16:creationId xmlns:a16="http://schemas.microsoft.com/office/drawing/2014/main" id="{96ECE038-F3F8-8FFB-6DBF-CCC2D858D99E}"/>
+                </a:ext>
+              </a:extLst>
+            </p:cNvPr>
+            <p:cNvPicPr>
+              <a:picLocks noChangeAspect="1" noChangeArrowheads="1"/>
+            </p:cNvPicPr>
+            <p:nvPr/>
+          </p:nvPicPr>
+          <p:blipFill>
+            <a:blip r:embed="rId2">
+              <a:extLst>
+                <a:ext uri="{28A0092B-C50C-407E-A947-70E740481C1C}">
+                  <a14:useLocalDpi xmlns:a14="http://schemas.microsoft.com/office/drawing/2010/main" val="0"/>
+                </a:ext>
+              </a:extLst>
+            </a:blip>
+            <a:srcRect/>
+            <a:stretch>
+              <a:fillRect/>
+            </a:stretch>
+          </p:blipFill>
+          <p:spPr bwMode="auto">
+            <a:xfrm>
+              <a:off x="2402681" y="3836195"/>
+              <a:ext cx="4029075" cy="3021806"/>
+            </a:xfrm>
+            <a:prstGeom prst="rect">
+              <a:avLst/>
+            </a:prstGeom>
+            <a:noFill/>
+            <a:extLst>
+              <a:ext uri="{909E8E84-426E-40DD-AFC4-6F175D3DCCD1}">
+                <a14:hiddenFill xmlns:a14="http://schemas.microsoft.com/office/drawing/2010/main">
+                  <a:solidFill>
+                    <a:srgbClr val="FFFFFF"/>
+                  </a:solidFill>
+                </a14:hiddenFill>
+              </a:ext>
+            </a:extLst>
+          </p:spPr>
+        </p:pic>
+        <p:pic>
+          <p:nvPicPr>
+            <p:cNvPr id="7174" name="Picture 6" descr="M6 x 1.0 Stainless Steel Hex Head Bolts Full Thread Hex Cap Screws A2-70  DIN 933 | eBay">
+              <a:extLst>
+                <a:ext uri="{FF2B5EF4-FFF2-40B4-BE49-F238E27FC236}">
+                  <a16:creationId xmlns:a16="http://schemas.microsoft.com/office/drawing/2014/main" id="{16B09207-40D4-1B22-9AB1-AA5AEC91EBDB}"/>
+                </a:ext>
+              </a:extLst>
+            </p:cNvPr>
+            <p:cNvPicPr>
+              <a:picLocks noChangeAspect="1" noChangeArrowheads="1"/>
+            </p:cNvPicPr>
+            <p:nvPr/>
+          </p:nvPicPr>
+          <p:blipFill rotWithShape="1">
+            <a:blip r:embed="rId3">
+              <a:extLst>
+                <a:ext uri="{28A0092B-C50C-407E-A947-70E740481C1C}">
+                  <a14:useLocalDpi xmlns:a14="http://schemas.microsoft.com/office/drawing/2010/main" val="0"/>
+                </a:ext>
+              </a:extLst>
+            </a:blip>
+            <a:srcRect b="6968"/>
+            <a:stretch>
+              <a:fillRect/>
+            </a:stretch>
+          </p:blipFill>
+          <p:spPr bwMode="auto">
+            <a:xfrm>
+              <a:off x="6431756" y="3836194"/>
+              <a:ext cx="3248162" cy="3021806"/>
+            </a:xfrm>
+            <a:prstGeom prst="rect">
+              <a:avLst/>
+            </a:prstGeom>
+            <a:noFill/>
+            <a:extLst>
+              <a:ext uri="{909E8E84-426E-40DD-AFC4-6F175D3DCCD1}">
+                <a14:hiddenFill xmlns:a14="http://schemas.microsoft.com/office/drawing/2010/main">
+                  <a:solidFill>
+                    <a:srgbClr val="FFFFFF"/>
+                  </a:solidFill>
+                </a14:hiddenFill>
+              </a:ext>
+            </a:extLst>
+          </p:spPr>
+        </p:pic>
+      </p:grpSp>
+    </p:spTree>
+    <p:extLst>
+      <p:ext uri="{BB962C8B-B14F-4D97-AF65-F5344CB8AC3E}">
+        <p14:creationId xmlns:p14="http://schemas.microsoft.com/office/powerpoint/2010/main" val="2508060723"/>
+      </p:ext>
+    </p:extLst>
+  </p:cSld>
+  <p:clrMapOvr>
+    <a:masterClrMapping/>
+  </p:clrMapOvr>
+</p:sld>
+</file>
+
+<file path=ppt/slides/slide19.xml><?xml version="1.0" encoding="utf-8"?>
+<p:sld xmlns:a="http://schemas.openxmlformats.org/drawingml/2006/main" xmlns:r="http://schemas.openxmlformats.org/officeDocument/2006/relationships" xmlns:p="http://schemas.openxmlformats.org/presentationml/2006/main">
+  <p:cSld>
+    <p:spTree>
+      <p:nvGrpSpPr>
+        <p:cNvPr id="1" name=""/>
+        <p:cNvGrpSpPr/>
+        <p:nvPr/>
+      </p:nvGrpSpPr>
+      <p:grpSpPr>
+        <a:xfrm>
+          <a:off x="0" y="0"/>
+          <a:ext cx="0" cy="0"/>
+          <a:chOff x="0" y="0"/>
+          <a:chExt cx="0" cy="0"/>
+        </a:xfrm>
+      </p:grpSpPr>
+      <p:sp>
+        <p:nvSpPr>
+          <p:cNvPr id="2" name="Title 1">
+            <a:extLst>
+              <a:ext uri="{FF2B5EF4-FFF2-40B4-BE49-F238E27FC236}">
+                <a16:creationId xmlns:a16="http://schemas.microsoft.com/office/drawing/2014/main" id="{05415763-2554-B120-5E58-67C0DE54D4B1}"/>
+              </a:ext>
+            </a:extLst>
+          </p:cNvPr>
+          <p:cNvSpPr>
+            <a:spLocks noGrp="1"/>
+          </p:cNvSpPr>
+          <p:nvPr>
+            <p:ph type="title"/>
+          </p:nvPr>
+        </p:nvSpPr>
+        <p:spPr/>
+        <p:txBody>
+          <a:bodyPr/>
+          <a:lstStyle/>
+          <a:p>
+            <a:r>
+              <a:rPr lang="en-US" dirty="0"/>
+              <a:t>Effect Size Visualized</a:t>
+            </a:r>
+          </a:p>
+        </p:txBody>
+      </p:sp>
+      <p:sp>
+        <p:nvSpPr>
+          <p:cNvPr id="3" name="Content Placeholder 2">
+            <a:extLst>
+              <a:ext uri="{FF2B5EF4-FFF2-40B4-BE49-F238E27FC236}">
+                <a16:creationId xmlns:a16="http://schemas.microsoft.com/office/drawing/2014/main" id="{23262945-FEC2-19BF-3E2B-48054941DB30}"/>
+              </a:ext>
+            </a:extLst>
+          </p:cNvPr>
+          <p:cNvSpPr>
+            <a:spLocks noGrp="1"/>
+          </p:cNvSpPr>
+          <p:nvPr>
+            <p:ph idx="1"/>
+          </p:nvPr>
+        </p:nvSpPr>
+        <p:spPr>
+          <a:xfrm>
+            <a:off x="6096000" y="1853753"/>
+            <a:ext cx="6096000" cy="4199727"/>
+          </a:xfrm>
+        </p:spPr>
+        <p:txBody>
+          <a:bodyPr/>
+          <a:lstStyle/>
+          <a:p>
+            <a:r>
+              <a:rPr lang="en-US" dirty="0"/>
+              <a:t>The effect size shows how much one group is shifted from another. </a:t>
+            </a:r>
+          </a:p>
+          <a:p>
+            <a:r>
+              <a:rPr lang="en-US" dirty="0"/>
+              <a:t>E.g. # life expectancy post treatment. </a:t>
+            </a:r>
+          </a:p>
+          <a:p>
+            <a:pPr lvl="1"/>
+            <a:r>
+              <a:rPr lang="en-US" dirty="0"/>
+              <a:t>Ctrl averages about 1.65 additional years (normalized). </a:t>
+            </a:r>
+          </a:p>
+          <a:p>
+            <a:pPr lvl="1"/>
+            <a:r>
+              <a:rPr lang="en-US" dirty="0"/>
+              <a:t>Treatment averages about 1.7.  </a:t>
+            </a:r>
+          </a:p>
+          <a:p>
+            <a:pPr lvl="1"/>
+            <a:r>
+              <a:rPr lang="en-US" dirty="0"/>
+              <a:t>The effect size is large – almost all of the treated people are better than the average control. </a:t>
+            </a:r>
+          </a:p>
+          <a:p>
+            <a:r>
+              <a:rPr lang="en-US" dirty="0"/>
+              <a:t>The larger this gap, the more different the groups.</a:t>
+            </a:r>
+          </a:p>
+          <a:p>
+            <a:r>
+              <a:rPr lang="en-US" dirty="0"/>
+              <a:t>Effect isn’t just dependent on means. </a:t>
+            </a:r>
+          </a:p>
+        </p:txBody>
+      </p:sp>
+      <p:pic>
+        <p:nvPicPr>
+          <p:cNvPr id="5124" name="Picture 4" descr="r - Sample size determination using historical data and simulation - Cross  Validated">
+            <a:extLst>
+              <a:ext uri="{FF2B5EF4-FFF2-40B4-BE49-F238E27FC236}">
+                <a16:creationId xmlns:a16="http://schemas.microsoft.com/office/drawing/2014/main" id="{5357FF62-234A-2025-323E-C71F7FD01C16}"/>
+              </a:ext>
+            </a:extLst>
+          </p:cNvPr>
+          <p:cNvPicPr>
+            <a:picLocks noChangeAspect="1" noChangeArrowheads="1"/>
+          </p:cNvPicPr>
+          <p:nvPr/>
+        </p:nvPicPr>
+        <p:blipFill>
+          <a:blip r:embed="rId2">
+            <a:extLst>
+              <a:ext uri="{28A0092B-C50C-407E-A947-70E740481C1C}">
+                <a14:useLocalDpi xmlns:a14="http://schemas.microsoft.com/office/drawing/2010/main" val="0"/>
+              </a:ext>
+            </a:extLst>
+          </a:blip>
+          <a:srcRect/>
+          <a:stretch>
+            <a:fillRect/>
+          </a:stretch>
+        </p:blipFill>
+        <p:spPr bwMode="auto">
+          <a:xfrm>
+            <a:off x="1" y="1853755"/>
+            <a:ext cx="6096000" cy="4064000"/>
+          </a:xfrm>
+          <a:prstGeom prst="rect">
+            <a:avLst/>
+          </a:prstGeom>
+          <a:noFill/>
+          <a:extLst>
+            <a:ext uri="{909E8E84-426E-40DD-AFC4-6F175D3DCCD1}">
+              <a14:hiddenFill xmlns:a14="http://schemas.microsoft.com/office/drawing/2010/main">
+                <a:solidFill>
+                  <a:srgbClr val="FFFFFF"/>
+                </a:solidFill>
+              </a14:hiddenFill>
+            </a:ext>
+          </a:extLst>
+        </p:spPr>
+      </p:pic>
+    </p:spTree>
+    <p:extLst>
+      <p:ext uri="{BB962C8B-B14F-4D97-AF65-F5344CB8AC3E}">
+        <p14:creationId xmlns:p14="http://schemas.microsoft.com/office/powerpoint/2010/main" val="128853438"/>
+      </p:ext>
+    </p:extLst>
+  </p:cSld>
+  <p:clrMapOvr>
+    <a:masterClrMapping/>
+  </p:clrMapOvr>
+</p:sld>
+</file>
+
+<file path=ppt/slides/slide2.xml><?xml version="1.0" encoding="utf-8"?>
+<p:sld xmlns:a="http://schemas.openxmlformats.org/drawingml/2006/main" xmlns:r="http://schemas.openxmlformats.org/officeDocument/2006/relationships" xmlns:p="http://schemas.openxmlformats.org/presentationml/2006/main">
+  <p:cSld>
+    <p:spTree>
+      <p:nvGrpSpPr>
+        <p:cNvPr id="1" name=""/>
+        <p:cNvGrpSpPr/>
+        <p:nvPr/>
+      </p:nvGrpSpPr>
+      <p:grpSpPr>
+        <a:xfrm>
+          <a:off x="0" y="0"/>
+          <a:ext cx="0" cy="0"/>
+          <a:chOff x="0" y="0"/>
+          <a:chExt cx="0" cy="0"/>
+        </a:xfrm>
+      </p:grpSpPr>
+      <p:sp>
+        <p:nvSpPr>
+          <p:cNvPr id="5" name="Title 4">
+            <a:extLst>
+              <a:ext uri="{FF2B5EF4-FFF2-40B4-BE49-F238E27FC236}">
+                <a16:creationId xmlns:a16="http://schemas.microsoft.com/office/drawing/2014/main" id="{B70FBB0C-78A3-7270-5E6B-17F83DD6609C}"/>
+              </a:ext>
+            </a:extLst>
+          </p:cNvPr>
+          <p:cNvSpPr>
+            <a:spLocks noGrp="1"/>
+          </p:cNvSpPr>
+          <p:nvPr>
+            <p:ph type="title"/>
+          </p:nvPr>
+        </p:nvSpPr>
+        <p:spPr/>
+        <p:txBody>
+          <a:bodyPr/>
+          <a:lstStyle/>
+          <a:p>
+            <a:r>
+              <a:rPr lang="en-US" dirty="0"/>
+              <a:t>You’re supposed to have a quiz soon!</a:t>
+            </a:r>
+          </a:p>
+        </p:txBody>
+      </p:sp>
+      <p:sp>
+        <p:nvSpPr>
+          <p:cNvPr id="6" name="Content Placeholder 5">
+            <a:extLst>
+              <a:ext uri="{FF2B5EF4-FFF2-40B4-BE49-F238E27FC236}">
+                <a16:creationId xmlns:a16="http://schemas.microsoft.com/office/drawing/2014/main" id="{73923FAA-7138-6C08-6729-E85FE393B24B}"/>
+              </a:ext>
+            </a:extLst>
+          </p:cNvPr>
+          <p:cNvSpPr>
+            <a:spLocks noGrp="1"/>
+          </p:cNvSpPr>
+          <p:nvPr>
+            <p:ph idx="1"/>
+          </p:nvPr>
+        </p:nvSpPr>
+        <p:spPr>
+          <a:xfrm>
+            <a:off x="1451579" y="1853754"/>
+            <a:ext cx="9603275" cy="4199727"/>
+          </a:xfrm>
+        </p:spPr>
+        <p:txBody>
+          <a:bodyPr/>
+          <a:lstStyle/>
+          <a:p>
+            <a:r>
+              <a:rPr lang="en-US" dirty="0"/>
+              <a:t>There’s a quiz in a week!</a:t>
+            </a:r>
+          </a:p>
+          <a:p>
+            <a:r>
+              <a:rPr lang="en-US" dirty="0"/>
+              <a:t>This will be on stuff from the first 4 chapters. </a:t>
+            </a:r>
+          </a:p>
+          <a:p>
+            <a:pPr lvl="1"/>
+            <a:r>
+              <a:rPr lang="en-US" dirty="0"/>
+              <a:t>Data, single variable stats, distributions, histograms, effects, </a:t>
+            </a:r>
+            <a:r>
+              <a:rPr lang="en-US" dirty="0" err="1"/>
+              <a:t>pmf</a:t>
+            </a:r>
+            <a:r>
+              <a:rPr lang="en-US" dirty="0"/>
+              <a:t>, </a:t>
+            </a:r>
+            <a:r>
+              <a:rPr lang="en-US" dirty="0" err="1"/>
+              <a:t>cdf</a:t>
+            </a:r>
+            <a:r>
+              <a:rPr lang="en-US" dirty="0"/>
+              <a:t>. </a:t>
+            </a:r>
+          </a:p>
+          <a:p>
+            <a:pPr lvl="1"/>
+            <a:r>
+              <a:rPr lang="en-US" dirty="0"/>
+              <a:t>There won’t be code tests, but you may want to use code to do some calculations. </a:t>
+            </a:r>
+          </a:p>
+          <a:p>
+            <a:r>
+              <a:rPr lang="en-US" dirty="0"/>
+              <a:t>It’ll be the final hour, we’ll cover some stuff, then start at 12:45</a:t>
+            </a:r>
+          </a:p>
+          <a:p>
+            <a:r>
+              <a:rPr lang="en-US" dirty="0"/>
+              <a:t>This isn’t really a hard exam, you’ll be good if you:</a:t>
+            </a:r>
+          </a:p>
+          <a:p>
+            <a:pPr lvl="1"/>
+            <a:r>
+              <a:rPr lang="en-US" dirty="0"/>
+              <a:t>Understand the major concepts and what they are for. </a:t>
+            </a:r>
+          </a:p>
+          <a:p>
+            <a:pPr lvl="1"/>
+            <a:r>
+              <a:rPr lang="en-US" dirty="0"/>
+              <a:t>Can do the main things in code – load some data, calculate a value, split data, </a:t>
+            </a:r>
+            <a:r>
+              <a:rPr lang="en-US" dirty="0" err="1"/>
+              <a:t>etc</a:t>
+            </a:r>
+            <a:r>
+              <a:rPr lang="en-US" dirty="0"/>
+              <a:t>…</a:t>
+            </a:r>
+          </a:p>
+        </p:txBody>
+      </p:sp>
+    </p:spTree>
+    <p:extLst>
+      <p:ext uri="{BB962C8B-B14F-4D97-AF65-F5344CB8AC3E}">
+        <p14:creationId xmlns:p14="http://schemas.microsoft.com/office/powerpoint/2010/main" val="2046313259"/>
+      </p:ext>
+    </p:extLst>
+  </p:cSld>
+  <p:clrMapOvr>
+    <a:masterClrMapping/>
+  </p:clrMapOvr>
+</p:sld>
+</file>
+
+<file path=ppt/slides/slide20.xml><?xml version="1.0" encoding="utf-8"?>
+<p:sld xmlns:a="http://schemas.openxmlformats.org/drawingml/2006/main" xmlns:r="http://schemas.openxmlformats.org/officeDocument/2006/relationships" xmlns:p="http://schemas.openxmlformats.org/presentationml/2006/main">
+  <p:cSld>
+    <p:spTree>
+      <p:nvGrpSpPr>
+        <p:cNvPr id="1" name=""/>
+        <p:cNvGrpSpPr/>
+        <p:nvPr/>
+      </p:nvGrpSpPr>
+      <p:grpSpPr>
+        <a:xfrm>
+          <a:off x="0" y="0"/>
+          <a:ext cx="0" cy="0"/>
+          <a:chOff x="0" y="0"/>
+          <a:chExt cx="0" cy="0"/>
+        </a:xfrm>
+      </p:grpSpPr>
+      <p:sp>
+        <p:nvSpPr>
+          <p:cNvPr id="2" name="Title 1">
+            <a:extLst>
+              <a:ext uri="{FF2B5EF4-FFF2-40B4-BE49-F238E27FC236}">
+                <a16:creationId xmlns:a16="http://schemas.microsoft.com/office/drawing/2014/main" id="{192F22DB-D781-0984-A3B6-BA6E307A14DE}"/>
+              </a:ext>
+            </a:extLst>
+          </p:cNvPr>
+          <p:cNvSpPr>
+            <a:spLocks noGrp="1"/>
+          </p:cNvSpPr>
+          <p:nvPr>
+            <p:ph type="title"/>
+          </p:nvPr>
+        </p:nvSpPr>
+        <p:spPr/>
+        <p:txBody>
+          <a:bodyPr/>
+          <a:lstStyle/>
+          <a:p>
+            <a:endParaRPr lang="en-US"/>
+          </a:p>
+        </p:txBody>
+      </p:sp>
+      <p:sp>
+        <p:nvSpPr>
+          <p:cNvPr id="3" name="Content Placeholder 2">
+            <a:extLst>
+              <a:ext uri="{FF2B5EF4-FFF2-40B4-BE49-F238E27FC236}">
+                <a16:creationId xmlns:a16="http://schemas.microsoft.com/office/drawing/2014/main" id="{46696D69-710B-EFC7-4CF6-CBFD4BFC8C7F}"/>
+              </a:ext>
+            </a:extLst>
+          </p:cNvPr>
+          <p:cNvSpPr>
+            <a:spLocks noGrp="1"/>
+          </p:cNvSpPr>
+          <p:nvPr>
+            <p:ph idx="1"/>
+          </p:nvPr>
+        </p:nvSpPr>
+        <p:spPr/>
+        <p:txBody>
+          <a:bodyPr/>
+          <a:lstStyle/>
+          <a:p>
+            <a:endParaRPr lang="en-US"/>
+          </a:p>
+        </p:txBody>
+      </p:sp>
+      <p:pic>
+        <p:nvPicPr>
+          <p:cNvPr id="8194" name="Picture 2" descr="Visualizing Effect Sizes | graph paper diaries">
+            <a:extLst>
+              <a:ext uri="{FF2B5EF4-FFF2-40B4-BE49-F238E27FC236}">
+                <a16:creationId xmlns:a16="http://schemas.microsoft.com/office/drawing/2014/main" id="{E63AF11C-64A5-C60C-1B15-0178DD05DC57}"/>
+              </a:ext>
+            </a:extLst>
+          </p:cNvPr>
+          <p:cNvPicPr>
+            <a:picLocks noChangeAspect="1" noChangeArrowheads="1"/>
+          </p:cNvPicPr>
+          <p:nvPr/>
+        </p:nvPicPr>
+        <p:blipFill>
+          <a:blip r:embed="rId2">
+            <a:extLst>
+              <a:ext uri="{28A0092B-C50C-407E-A947-70E740481C1C}">
+                <a14:useLocalDpi xmlns:a14="http://schemas.microsoft.com/office/drawing/2010/main" val="0"/>
+              </a:ext>
+            </a:extLst>
+          </a:blip>
+          <a:srcRect/>
+          <a:stretch>
+            <a:fillRect/>
+          </a:stretch>
+        </p:blipFill>
+        <p:spPr bwMode="auto">
+          <a:xfrm>
+            <a:off x="1524000" y="0"/>
+            <a:ext cx="9144000" cy="6858000"/>
+          </a:xfrm>
+          <a:prstGeom prst="rect">
+            <a:avLst/>
+          </a:prstGeom>
+          <a:noFill/>
+          <a:extLst>
+            <a:ext uri="{909E8E84-426E-40DD-AFC4-6F175D3DCCD1}">
+              <a14:hiddenFill xmlns:a14="http://schemas.microsoft.com/office/drawing/2010/main">
+                <a:solidFill>
+                  <a:srgbClr val="FFFFFF"/>
+                </a:solidFill>
+              </a14:hiddenFill>
+            </a:ext>
+          </a:extLst>
+        </p:spPr>
+      </p:pic>
+    </p:spTree>
+    <p:extLst>
+      <p:ext uri="{BB962C8B-B14F-4D97-AF65-F5344CB8AC3E}">
+        <p14:creationId xmlns:p14="http://schemas.microsoft.com/office/powerpoint/2010/main" val="1705512394"/>
+      </p:ext>
+    </p:extLst>
+  </p:cSld>
+  <p:clrMapOvr>
+    <a:masterClrMapping/>
+  </p:clrMapOvr>
+</p:sld>
+</file>
+
+<file path=ppt/slides/slide21.xml><?xml version="1.0" encoding="utf-8"?>
+<p:sld xmlns:a="http://schemas.openxmlformats.org/drawingml/2006/main" xmlns:r="http://schemas.openxmlformats.org/officeDocument/2006/relationships" xmlns:p="http://schemas.openxmlformats.org/presentationml/2006/main">
+  <p:cSld>
+    <p:spTree>
+      <p:nvGrpSpPr>
+        <p:cNvPr id="1" name=""/>
+        <p:cNvGrpSpPr/>
+        <p:nvPr/>
+      </p:nvGrpSpPr>
+      <p:grpSpPr>
+        <a:xfrm>
+          <a:off x="0" y="0"/>
+          <a:ext cx="0" cy="0"/>
+          <a:chOff x="0" y="0"/>
+          <a:chExt cx="0" cy="0"/>
+        </a:xfrm>
+      </p:grpSpPr>
+      <p:sp>
+        <p:nvSpPr>
+          <p:cNvPr id="2" name="Title 1">
+            <a:extLst>
+              <a:ext uri="{FF2B5EF4-FFF2-40B4-BE49-F238E27FC236}">
+                <a16:creationId xmlns:a16="http://schemas.microsoft.com/office/drawing/2014/main" id="{241E5A45-8872-DC6B-663D-BAAC79E5C1B5}"/>
+              </a:ext>
+            </a:extLst>
+          </p:cNvPr>
+          <p:cNvSpPr>
+            <a:spLocks noGrp="1"/>
+          </p:cNvSpPr>
+          <p:nvPr>
+            <p:ph type="title"/>
+          </p:nvPr>
+        </p:nvSpPr>
+        <p:spPr/>
+        <p:txBody>
+          <a:bodyPr/>
+          <a:lstStyle/>
+          <a:p>
+            <a:r>
+              <a:rPr lang="en-US" dirty="0"/>
+              <a:t>Comparisons on a Density Plot</a:t>
+            </a:r>
+          </a:p>
+        </p:txBody>
+      </p:sp>
+      <p:sp>
+        <p:nvSpPr>
+          <p:cNvPr id="3" name="Content Placeholder 2">
+            <a:extLst>
+              <a:ext uri="{FF2B5EF4-FFF2-40B4-BE49-F238E27FC236}">
+                <a16:creationId xmlns:a16="http://schemas.microsoft.com/office/drawing/2014/main" id="{5F05F44B-23B9-6B92-A8BF-5CF18B99212A}"/>
+              </a:ext>
+            </a:extLst>
+          </p:cNvPr>
+          <p:cNvSpPr>
+            <a:spLocks noGrp="1"/>
+          </p:cNvSpPr>
+          <p:nvPr>
+            <p:ph idx="1"/>
+          </p:nvPr>
+        </p:nvSpPr>
+        <p:spPr/>
+        <p:txBody>
+          <a:bodyPr/>
+          <a:lstStyle/>
+          <a:p>
+            <a:endParaRPr lang="en-US"/>
+          </a:p>
+        </p:txBody>
+      </p:sp>
+      <p:pic>
+        <p:nvPicPr>
+          <p:cNvPr id="6146" name="Picture 2" descr="How To Find Probability From Probability Density Plots | by Admond Lee |  Towards Data Science">
+            <a:extLst>
+              <a:ext uri="{FF2B5EF4-FFF2-40B4-BE49-F238E27FC236}">
+                <a16:creationId xmlns:a16="http://schemas.microsoft.com/office/drawing/2014/main" id="{0F334F3F-7F33-E16C-0DF9-9DFBE4D42030}"/>
+              </a:ext>
+            </a:extLst>
+          </p:cNvPr>
+          <p:cNvPicPr>
+            <a:picLocks noChangeAspect="1" noChangeArrowheads="1"/>
+          </p:cNvPicPr>
+          <p:nvPr/>
+        </p:nvPicPr>
+        <p:blipFill>
+          <a:blip r:embed="rId2">
+            <a:extLst>
+              <a:ext uri="{28A0092B-C50C-407E-A947-70E740481C1C}">
+                <a14:useLocalDpi xmlns:a14="http://schemas.microsoft.com/office/drawing/2010/main" val="0"/>
+              </a:ext>
+            </a:extLst>
+          </a:blip>
+          <a:srcRect/>
+          <a:stretch>
+            <a:fillRect/>
+          </a:stretch>
+        </p:blipFill>
+        <p:spPr bwMode="auto">
+          <a:xfrm>
+            <a:off x="2434485" y="1853754"/>
+            <a:ext cx="7637462" cy="5055936"/>
+          </a:xfrm>
+          <a:prstGeom prst="rect">
+            <a:avLst/>
+          </a:prstGeom>
+          <a:noFill/>
+          <a:extLst>
+            <a:ext uri="{909E8E84-426E-40DD-AFC4-6F175D3DCCD1}">
+              <a14:hiddenFill xmlns:a14="http://schemas.microsoft.com/office/drawing/2010/main">
+                <a:solidFill>
+                  <a:srgbClr val="FFFFFF"/>
+                </a:solidFill>
+              </a14:hiddenFill>
+            </a:ext>
+          </a:extLst>
+        </p:spPr>
+      </p:pic>
+    </p:spTree>
+    <p:extLst>
+      <p:ext uri="{BB962C8B-B14F-4D97-AF65-F5344CB8AC3E}">
+        <p14:creationId xmlns:p14="http://schemas.microsoft.com/office/powerpoint/2010/main" val="585039176"/>
+      </p:ext>
+    </p:extLst>
+  </p:cSld>
+  <p:clrMapOvr>
+    <a:masterClrMapping/>
+  </p:clrMapOvr>
+</p:sld>
+</file>
+
+<file path=ppt/slides/slide22.xml><?xml version="1.0" encoding="utf-8"?>
+<p:sld xmlns:a="http://schemas.openxmlformats.org/drawingml/2006/main" xmlns:r="http://schemas.openxmlformats.org/officeDocument/2006/relationships" xmlns:p="http://schemas.openxmlformats.org/presentationml/2006/main">
+  <p:cSld>
+    <p:spTree>
+      <p:nvGrpSpPr>
+        <p:cNvPr id="1" name=""/>
+        <p:cNvGrpSpPr/>
+        <p:nvPr/>
+      </p:nvGrpSpPr>
+      <p:grpSpPr>
+        <a:xfrm>
+          <a:off x="0" y="0"/>
+          <a:ext cx="0" cy="0"/>
+          <a:chOff x="0" y="0"/>
+          <a:chExt cx="0" cy="0"/>
+        </a:xfrm>
+      </p:grpSpPr>
+      <p:sp>
+        <p:nvSpPr>
+          <p:cNvPr id="2" name="Title 1">
+            <a:extLst>
+              <a:ext uri="{FF2B5EF4-FFF2-40B4-BE49-F238E27FC236}">
                 <a16:creationId xmlns:a16="http://schemas.microsoft.com/office/drawing/2014/main" id="{AC7D94E8-B123-0BE7-AF92-C0B64C6A32EC}"/>
               </a:ext>
             </a:extLst>
@@ -4277,7 +6122,7 @@
           <a:p>
             <a:r>
               <a:rPr lang="en-US" dirty="0"/>
-              <a:t>Distribution Patterns</a:t>
+              <a:t>Analyzing Distribution Patterns</a:t>
             </a:r>
           </a:p>
         </p:txBody>
@@ -4356,8 +6201,8 @@
 </p:sld>
 </file>
 
-<file path=ppt/slides/slide14.xml><?xml version="1.0" encoding="utf-8"?>
-<p:sld xmlns:a="http://schemas.openxmlformats.org/drawingml/2006/main" xmlns:r="http://schemas.openxmlformats.org/officeDocument/2006/relationships" xmlns:p="http://schemas.openxmlformats.org/presentationml/2006/main">
+<file path=ppt/slides/slide23.xml><?xml version="1.0" encoding="utf-8"?>
+<p:sld xmlns:a="http://schemas.openxmlformats.org/drawingml/2006/main" xmlns:r="http://schemas.openxmlformats.org/officeDocument/2006/relationships" xmlns:p="http://schemas.openxmlformats.org/presentationml/2006/main" show="0">
   <p:cSld>
     <p:spTree>
       <p:nvGrpSpPr>
@@ -4486,7 +6331,7 @@
 </p:sld>
 </file>
 
-<file path=ppt/slides/slide15.xml><?xml version="1.0" encoding="utf-8"?>
+<file path=ppt/slides/slide24.xml><?xml version="1.0" encoding="utf-8"?>
 <p:sld xmlns:a="http://schemas.openxmlformats.org/drawingml/2006/main" xmlns:r="http://schemas.openxmlformats.org/officeDocument/2006/relationships" xmlns:p="http://schemas.openxmlformats.org/presentationml/2006/main">
   <p:cSld>
     <p:spTree>
@@ -4613,137 +6458,7 @@
 </p:sld>
 </file>
 
-<file path=ppt/slides/slide16.xml><?xml version="1.0" encoding="utf-8"?>
-<p:sld xmlns:a="http://schemas.openxmlformats.org/drawingml/2006/main" xmlns:r="http://schemas.openxmlformats.org/officeDocument/2006/relationships" xmlns:p="http://schemas.openxmlformats.org/presentationml/2006/main">
-  <p:cSld>
-    <p:spTree>
-      <p:nvGrpSpPr>
-        <p:cNvPr id="1" name=""/>
-        <p:cNvGrpSpPr/>
-        <p:nvPr/>
-      </p:nvGrpSpPr>
-      <p:grpSpPr>
-        <a:xfrm>
-          <a:off x="0" y="0"/>
-          <a:ext cx="0" cy="0"/>
-          <a:chOff x="0" y="0"/>
-          <a:chExt cx="0" cy="0"/>
-        </a:xfrm>
-      </p:grpSpPr>
-      <p:sp>
-        <p:nvSpPr>
-          <p:cNvPr id="2" name="Title 1">
-            <a:extLst>
-              <a:ext uri="{FF2B5EF4-FFF2-40B4-BE49-F238E27FC236}">
-                <a16:creationId xmlns:a16="http://schemas.microsoft.com/office/drawing/2014/main" id="{241E5A45-8872-DC6B-663D-BAAC79E5C1B5}"/>
-              </a:ext>
-            </a:extLst>
-          </p:cNvPr>
-          <p:cNvSpPr>
-            <a:spLocks noGrp="1"/>
-          </p:cNvSpPr>
-          <p:nvPr>
-            <p:ph type="title"/>
-          </p:nvPr>
-        </p:nvSpPr>
-        <p:spPr/>
-        <p:txBody>
-          <a:bodyPr/>
-          <a:lstStyle/>
-          <a:p>
-            <a:r>
-              <a:rPr lang="en-US" dirty="0"/>
-              <a:t>Comparisons on a Density Plot</a:t>
-            </a:r>
-          </a:p>
-        </p:txBody>
-      </p:sp>
-      <p:sp>
-        <p:nvSpPr>
-          <p:cNvPr id="3" name="Content Placeholder 2">
-            <a:extLst>
-              <a:ext uri="{FF2B5EF4-FFF2-40B4-BE49-F238E27FC236}">
-                <a16:creationId xmlns:a16="http://schemas.microsoft.com/office/drawing/2014/main" id="{5F05F44B-23B9-6B92-A8BF-5CF18B99212A}"/>
-              </a:ext>
-            </a:extLst>
-          </p:cNvPr>
-          <p:cNvSpPr>
-            <a:spLocks noGrp="1"/>
-          </p:cNvSpPr>
-          <p:nvPr>
-            <p:ph idx="1"/>
-          </p:nvPr>
-        </p:nvSpPr>
-        <p:spPr/>
-        <p:txBody>
-          <a:bodyPr/>
-          <a:lstStyle/>
-          <a:p>
-            <a:endParaRPr lang="en-US"/>
-          </a:p>
-        </p:txBody>
-      </p:sp>
-      <p:pic>
-        <p:nvPicPr>
-          <p:cNvPr id="6146" name="Picture 2" descr="How To Find Probability From Probability Density Plots | by Admond Lee |  Towards Data Science">
-            <a:extLst>
-              <a:ext uri="{FF2B5EF4-FFF2-40B4-BE49-F238E27FC236}">
-                <a16:creationId xmlns:a16="http://schemas.microsoft.com/office/drawing/2014/main" id="{0F334F3F-7F33-E16C-0DF9-9DFBE4D42030}"/>
-              </a:ext>
-            </a:extLst>
-          </p:cNvPr>
-          <p:cNvPicPr>
-            <a:picLocks noChangeAspect="1" noChangeArrowheads="1"/>
-          </p:cNvPicPr>
-          <p:nvPr/>
-        </p:nvPicPr>
-        <p:blipFill>
-          <a:blip r:embed="rId2">
-            <a:extLst>
-              <a:ext uri="{28A0092B-C50C-407E-A947-70E740481C1C}">
-                <a14:useLocalDpi xmlns:a14="http://schemas.microsoft.com/office/drawing/2010/main" val="0"/>
-              </a:ext>
-            </a:extLst>
-          </a:blip>
-          <a:srcRect/>
-          <a:stretch>
-            <a:fillRect/>
-          </a:stretch>
-        </p:blipFill>
-        <p:spPr bwMode="auto">
-          <a:xfrm>
-            <a:off x="2434485" y="1853754"/>
-            <a:ext cx="7637462" cy="5055936"/>
-          </a:xfrm>
-          <a:prstGeom prst="rect">
-            <a:avLst/>
-          </a:prstGeom>
-          <a:noFill/>
-          <a:extLst>
-            <a:ext uri="{909E8E84-426E-40DD-AFC4-6F175D3DCCD1}">
-              <a14:hiddenFill xmlns:a14="http://schemas.microsoft.com/office/drawing/2010/main">
-                <a:solidFill>
-                  <a:srgbClr val="FFFFFF"/>
-                </a:solidFill>
-              </a14:hiddenFill>
-            </a:ext>
-          </a:extLst>
-        </p:spPr>
-      </p:pic>
-    </p:spTree>
-    <p:extLst>
-      <p:ext uri="{BB962C8B-B14F-4D97-AF65-F5344CB8AC3E}">
-        <p14:creationId xmlns:p14="http://schemas.microsoft.com/office/powerpoint/2010/main" val="585039176"/>
-      </p:ext>
-    </p:extLst>
-  </p:cSld>
-  <p:clrMapOvr>
-    <a:masterClrMapping/>
-  </p:clrMapOvr>
-</p:sld>
-</file>
-
-<file path=ppt/slides/slide17.xml><?xml version="1.0" encoding="utf-8"?>
+<file path=ppt/slides/slide25.xml><?xml version="1.0" encoding="utf-8"?>
 <p:sld xmlns:a="http://schemas.openxmlformats.org/drawingml/2006/main" xmlns:r="http://schemas.openxmlformats.org/officeDocument/2006/relationships" xmlns:p="http://schemas.openxmlformats.org/presentationml/2006/main">
   <p:cSld>
     <p:bg>
@@ -4814,7 +6529,7 @@
           <a:p>
             <a:r>
               <a:rPr lang="en-US" dirty="0"/>
-              <a:t>Analytical Distributions</a:t>
+              <a:t>Preview - Analytical Distributions</a:t>
             </a:r>
           </a:p>
         </p:txBody>
@@ -4837,13 +6552,13 @@
         </p:nvSpPr>
         <p:spPr>
           <a:xfrm>
-            <a:off x="1451579" y="2015734"/>
-            <a:ext cx="6195784" cy="3450613"/>
+            <a:off x="86497" y="1853754"/>
+            <a:ext cx="5936220" cy="4199727"/>
           </a:xfrm>
         </p:spPr>
         <p:txBody>
           <a:bodyPr>
-            <a:normAutofit/>
+            <a:normAutofit lnSpcReduction="10000"/>
           </a:bodyPr>
           <a:lstStyle/>
           <a:p>
@@ -4853,8 +6568,19 @@
               </a:lnSpc>
             </a:pPr>
             <a:r>
-              <a:rPr lang="en-US" sz="1700"/>
+              <a:rPr lang="en-US" dirty="0"/>
               <a:t>Analytical distributions define the shape of a distribution mathematically. </a:t>
+            </a:r>
+          </a:p>
+          <a:p>
+            <a:pPr lvl="1">
+              <a:lnSpc>
+                <a:spcPct val="110000"/>
+              </a:lnSpc>
+            </a:pPr>
+            <a:r>
+              <a:rPr lang="en-US" dirty="0"/>
+              <a:t>I.e. the probability of having an item of value X is a calculation not a count. </a:t>
             </a:r>
           </a:p>
           <a:p>
@@ -4864,7 +6590,7 @@
               </a:lnSpc>
             </a:pPr>
             <a:r>
-              <a:rPr lang="en-US" sz="1700"/>
+              <a:rPr lang="en-US" dirty="0"/>
               <a:t>Don’t rely on a particular set of data. </a:t>
             </a:r>
           </a:p>
@@ -4875,7 +6601,7 @@
               </a:lnSpc>
             </a:pPr>
             <a:r>
-              <a:rPr lang="en-US" sz="1700"/>
+              <a:rPr lang="en-US" dirty="0"/>
               <a:t>Exact shape is determined by parameters.</a:t>
             </a:r>
           </a:p>
@@ -4886,7 +6612,7 @@
               </a:lnSpc>
             </a:pPr>
             <a:r>
-              <a:rPr lang="en-US" sz="1700"/>
+              <a:rPr lang="en-US" sz="2000" dirty="0"/>
               <a:t>E.g. mean and standard deviation. </a:t>
             </a:r>
           </a:p>
@@ -4897,7 +6623,7 @@
               </a:lnSpc>
             </a:pPr>
             <a:r>
-              <a:rPr lang="en-US" sz="1700"/>
+              <a:rPr lang="en-US" dirty="0"/>
               <a:t>We can ‘match’ our empirical data to a similar analytical distribution. </a:t>
             </a:r>
           </a:p>
@@ -4908,7 +6634,7 @@
               </a:lnSpc>
             </a:pPr>
             <a:r>
-              <a:rPr lang="en-US" sz="1700"/>
+              <a:rPr lang="en-US" sz="2000" dirty="0"/>
               <a:t>We can then use the properties of that distribution on our data. </a:t>
             </a:r>
           </a:p>
@@ -4916,41 +6642,49 @@
       </p:sp>
       <p:pic>
         <p:nvPicPr>
-          <p:cNvPr id="7" name="Graphic 6" descr="Statistics">
+          <p:cNvPr id="2052" name="Picture 4" descr="Module 6.2 - Business Analytics -Normal Distribution">
             <a:extLst>
               <a:ext uri="{FF2B5EF4-FFF2-40B4-BE49-F238E27FC236}">
-                <a16:creationId xmlns:a16="http://schemas.microsoft.com/office/drawing/2014/main" id="{47E80015-1F6C-2A39-D56B-158CA6C1438A}"/>
+                <a16:creationId xmlns:a16="http://schemas.microsoft.com/office/drawing/2014/main" id="{ADE1FDD2-D5FB-415A-9A93-C1E7BA8311D9}"/>
               </a:ext>
             </a:extLst>
           </p:cNvPr>
           <p:cNvPicPr>
-            <a:picLocks noChangeAspect="1"/>
+            <a:picLocks noChangeAspect="1" noChangeArrowheads="1"/>
           </p:cNvPicPr>
           <p:nvPr/>
         </p:nvPicPr>
-        <p:blipFill>
+        <p:blipFill rotWithShape="1">
           <a:blip r:embed="rId2">
             <a:extLst>
               <a:ext uri="{28A0092B-C50C-407E-A947-70E740481C1C}">
                 <a14:useLocalDpi xmlns:a14="http://schemas.microsoft.com/office/drawing/2010/main" val="0"/>
               </a:ext>
-              <a:ext uri="{96DAC541-7B7A-43D3-8B79-37D633B846F1}">
-                <asvg:svgBlip xmlns:asvg="http://schemas.microsoft.com/office/drawing/2016/SVG/main" r:embed="rId3"/>
-              </a:ext>
             </a:extLst>
           </a:blip>
+          <a:srcRect l="7119" r="7923" b="14330"/>
           <a:stretch>
             <a:fillRect/>
           </a:stretch>
         </p:blipFill>
-        <p:spPr>
+        <p:spPr bwMode="auto">
           <a:xfrm>
-            <a:off x="8128756" y="2277991"/>
-            <a:ext cx="2926098" cy="2926098"/>
+            <a:off x="5702627" y="1977322"/>
+            <a:ext cx="6489373" cy="3682074"/>
           </a:xfrm>
           <a:prstGeom prst="rect">
             <a:avLst/>
           </a:prstGeom>
+          <a:noFill/>
+          <a:extLst>
+            <a:ext uri="{909E8E84-426E-40DD-AFC4-6F175D3DCCD1}">
+              <a14:hiddenFill xmlns:a14="http://schemas.microsoft.com/office/drawing/2010/main">
+                <a:solidFill>
+                  <a:srgbClr val="FFFFFF"/>
+                </a:solidFill>
+              </a14:hiddenFill>
+            </a:ext>
+          </a:extLst>
         </p:spPr>
       </p:pic>
     </p:spTree>
@@ -4966,7 +6700,7 @@
 </p:sld>
 </file>
 
-<file path=ppt/slides/slide18.xml><?xml version="1.0" encoding="utf-8"?>
+<file path=ppt/slides/slide26.xml><?xml version="1.0" encoding="utf-8"?>
 <p:sld xmlns:a="http://schemas.openxmlformats.org/drawingml/2006/main" xmlns:r="http://schemas.openxmlformats.org/officeDocument/2006/relationships" xmlns:p="http://schemas.openxmlformats.org/presentationml/2006/main">
   <p:cSld>
     <p:spTree>
@@ -4988,7 +6722,7 @@
           <p:cNvPr id="2" name="Title 1">
             <a:extLst>
               <a:ext uri="{FF2B5EF4-FFF2-40B4-BE49-F238E27FC236}">
-                <a16:creationId xmlns:a16="http://schemas.microsoft.com/office/drawing/2014/main" id="{E885A71B-91E2-2DE3-8DD4-24C25CE1759C}"/>
+                <a16:creationId xmlns:a16="http://schemas.microsoft.com/office/drawing/2014/main" id="{EFFF637B-7D1B-5260-4AE9-472094D343D2}"/>
               </a:ext>
             </a:extLst>
           </p:cNvPr>
@@ -5006,7 +6740,7 @@
           <a:p>
             <a:r>
               <a:rPr lang="en-US" dirty="0"/>
-              <a:t>Example – Generalizing from Sample</a:t>
+              <a:t>Distribution Benefits</a:t>
             </a:r>
           </a:p>
         </p:txBody>
@@ -5016,7 +6750,7 @@
           <p:cNvPr id="3" name="Content Placeholder 2">
             <a:extLst>
               <a:ext uri="{FF2B5EF4-FFF2-40B4-BE49-F238E27FC236}">
-                <a16:creationId xmlns:a16="http://schemas.microsoft.com/office/drawing/2014/main" id="{4551837D-70C8-63BB-E507-913EB93C7EA7}"/>
+                <a16:creationId xmlns:a16="http://schemas.microsoft.com/office/drawing/2014/main" id="{B1C602D3-C02F-DB9D-1E46-D716BC990CA0}"/>
               </a:ext>
             </a:extLst>
           </p:cNvPr>
@@ -5029,80 +6763,130 @@
         </p:nvSpPr>
         <p:spPr>
           <a:xfrm>
-            <a:off x="1451579" y="1853754"/>
-            <a:ext cx="9603275" cy="4199727"/>
+            <a:off x="0" y="1853754"/>
+            <a:ext cx="6751704" cy="4199727"/>
           </a:xfrm>
         </p:spPr>
         <p:txBody>
           <a:bodyPr>
-            <a:normAutofit lnSpcReduction="10000"/>
+            <a:normAutofit/>
           </a:bodyPr>
           <a:lstStyle/>
           <a:p>
             <a:r>
               <a:rPr lang="en-US" dirty="0"/>
-              <a:t>Goal – “How many NAIT students are &lt;5’5” or &gt;6’5””?</a:t>
-            </a:r>
-          </a:p>
-          <a:p>
-            <a:r>
-              <a:rPr lang="en-US" dirty="0"/>
-              <a:t>Process:</a:t>
+              <a:t>Why match empirical data to an analytical pattern?</a:t>
             </a:r>
           </a:p>
           <a:p>
             <a:pPr lvl="1"/>
             <a:r>
               <a:rPr lang="en-US" dirty="0"/>
-              <a:t>Take a sample of N students, measure them. Calculate mean and std. </a:t>
+              <a:t>We have fast computers, we can crunch the numbers on empirical data and draw pretty charts easily. </a:t>
+            </a:r>
+          </a:p>
+          <a:p>
+            <a:r>
+              <a:rPr lang="en-US" dirty="0"/>
+              <a:t>Can make use of samples to draw population conclusions. </a:t>
             </a:r>
           </a:p>
           <a:p>
             <a:pPr lvl="1"/>
             <a:r>
               <a:rPr lang="en-US" dirty="0"/>
-              <a:t>We ”know” height is normally distributed. (This is the logical leap). </a:t>
+              <a:t>Political polling, census data, surveys, </a:t>
+            </a:r>
+            <a:r>
+              <a:rPr lang="en-US" dirty="0" err="1"/>
+              <a:t>etc</a:t>
+            </a:r>
+            <a:r>
+              <a:rPr lang="en-US" dirty="0"/>
+              <a:t>…</a:t>
+            </a:r>
+          </a:p>
+          <a:p>
+            <a:r>
+              <a:rPr lang="en-US" dirty="0"/>
+              <a:t>Tools/techniques/rules have been developed for analytical distributions </a:t>
+            </a:r>
+            <a:r>
+              <a:rPr lang="en-US" i="1" dirty="0"/>
+              <a:t>in general</a:t>
+            </a:r>
+            <a:r>
+              <a:rPr lang="en-US" dirty="0"/>
+              <a:t>.</a:t>
             </a:r>
           </a:p>
           <a:p>
             <a:pPr lvl="1"/>
             <a:r>
               <a:rPr lang="en-US" dirty="0"/>
-              <a:t>Generate a normal distribution matching mean and std from sample. </a:t>
+              <a:t>We benefit if we have data from one of those distributions.  </a:t>
             </a:r>
           </a:p>
           <a:p>
             <a:pPr lvl="1"/>
             <a:r>
               <a:rPr lang="en-US" dirty="0"/>
-              <a:t>Use standard normal distribution stuff (e.g. z-scores) to answer question. </a:t>
-            </a:r>
-          </a:p>
-          <a:p>
-            <a:r>
-              <a:rPr lang="en-US" dirty="0"/>
-              <a:t>We are able to take a small subset of know heights, generalize that to the population, and then perform analysis on that generalization. </a:t>
-            </a:r>
-          </a:p>
-          <a:p>
-            <a:pPr lvl="1"/>
-            <a:r>
-              <a:rPr lang="en-US" dirty="0"/>
-              <a:t>What may hurt or improve the reliability of this analysis. </a:t>
-            </a:r>
-          </a:p>
-          <a:p>
-            <a:r>
-              <a:rPr lang="en-US" dirty="0"/>
-              <a:t>If you see a Stats Canada estimate from census data, it is likely done like this. </a:t>
-            </a:r>
-          </a:p>
-        </p:txBody>
-      </p:sp>
+              <a:t>E.g. z-scores – how many results do we expect at certain values if we have normal data. Just need mean and std. </a:t>
+            </a:r>
+          </a:p>
+        </p:txBody>
+      </p:sp>
+      <p:pic>
+        <p:nvPicPr>
+          <p:cNvPr id="4" name="Picture 2" descr="Normal distribution - Wikipedia">
+            <a:extLst>
+              <a:ext uri="{FF2B5EF4-FFF2-40B4-BE49-F238E27FC236}">
+                <a16:creationId xmlns:a16="http://schemas.microsoft.com/office/drawing/2014/main" id="{36018994-BBDC-1769-7917-0CBB408BDED5}"/>
+              </a:ext>
+            </a:extLst>
+          </p:cNvPr>
+          <p:cNvPicPr>
+            <a:picLocks noChangeAspect="1" noChangeArrowheads="1"/>
+          </p:cNvPicPr>
+          <p:nvPr/>
+        </p:nvPicPr>
+        <p:blipFill>
+          <a:blip r:embed="rId2">
+            <a:extLst>
+              <a:ext uri="{28A0092B-C50C-407E-A947-70E740481C1C}">
+                <a14:useLocalDpi xmlns:a14="http://schemas.microsoft.com/office/drawing/2010/main" val="0"/>
+              </a:ext>
+            </a:extLst>
+          </a:blip>
+          <a:srcRect/>
+          <a:stretch>
+            <a:fillRect/>
+          </a:stretch>
+        </p:blipFill>
+        <p:spPr bwMode="auto">
+          <a:xfrm>
+            <a:off x="6751703" y="2284098"/>
+            <a:ext cx="5440297" cy="2720149"/>
+          </a:xfrm>
+          <a:prstGeom prst="rect">
+            <a:avLst/>
+          </a:prstGeom>
+          <a:noFill/>
+          <a:extLst>
+            <a:ext uri="{909E8E84-426E-40DD-AFC4-6F175D3DCCD1}">
+              <a14:hiddenFill xmlns:a14="http://schemas.microsoft.com/office/drawing/2010/main">
+                <a:solidFill>
+                  <a:srgbClr val="FFFFFF"/>
+                </a:solidFill>
+              </a14:hiddenFill>
+            </a:ext>
+          </a:extLst>
+        </p:spPr>
+      </p:pic>
     </p:spTree>
     <p:extLst>
       <p:ext uri="{BB962C8B-B14F-4D97-AF65-F5344CB8AC3E}">
-        <p14:creationId xmlns:p14="http://schemas.microsoft.com/office/powerpoint/2010/main" val="3258882042"/>
+        <p14:creationId xmlns:p14="http://schemas.microsoft.com/office/powerpoint/2010/main" val="2446763917"/>
       </p:ext>
     </p:extLst>
   </p:cSld>
@@ -5112,7 +6896,7 @@
 </p:sld>
 </file>
 
-<file path=ppt/slides/slide2.xml><?xml version="1.0" encoding="utf-8"?>
+<file path=ppt/slides/slide27.xml><?xml version="1.0" encoding="utf-8"?>
 <p:sld xmlns:a="http://schemas.openxmlformats.org/drawingml/2006/main" xmlns:r="http://schemas.openxmlformats.org/officeDocument/2006/relationships" xmlns:p="http://schemas.openxmlformats.org/presentationml/2006/main">
   <p:cSld>
     <p:spTree>
@@ -5134,7 +6918,7 @@
           <p:cNvPr id="2" name="Title 1">
             <a:extLst>
               <a:ext uri="{FF2B5EF4-FFF2-40B4-BE49-F238E27FC236}">
-                <a16:creationId xmlns:a16="http://schemas.microsoft.com/office/drawing/2014/main" id="{909951EA-A403-4C52-42D9-85332BB51FB4}"/>
+                <a16:creationId xmlns:a16="http://schemas.microsoft.com/office/drawing/2014/main" id="{E885A71B-91E2-2DE3-8DD4-24C25CE1759C}"/>
               </a:ext>
             </a:extLst>
           </p:cNvPr>
@@ -5142,52 +6926,245 @@
             <a:spLocks noGrp="1"/>
           </p:cNvSpPr>
           <p:nvPr>
-            <p:ph type="ctrTitle"/>
+            <p:ph type="title"/>
           </p:nvPr>
         </p:nvSpPr>
         <p:spPr/>
         <p:txBody>
+          <a:bodyPr/>
+          <a:lstStyle/>
+          <a:p>
+            <a:r>
+              <a:rPr lang="en-US" dirty="0"/>
+              <a:t>Example – Generalizing from Sample</a:t>
+            </a:r>
+          </a:p>
+        </p:txBody>
+      </p:sp>
+      <p:sp>
+        <p:nvSpPr>
+          <p:cNvPr id="3" name="Content Placeholder 2">
+            <a:extLst>
+              <a:ext uri="{FF2B5EF4-FFF2-40B4-BE49-F238E27FC236}">
+                <a16:creationId xmlns:a16="http://schemas.microsoft.com/office/drawing/2014/main" id="{4551837D-70C8-63BB-E507-913EB93C7EA7}"/>
+              </a:ext>
+            </a:extLst>
+          </p:cNvPr>
+          <p:cNvSpPr>
+            <a:spLocks noGrp="1"/>
+          </p:cNvSpPr>
+          <p:nvPr>
+            <p:ph idx="1"/>
+          </p:nvPr>
+        </p:nvSpPr>
+        <p:spPr>
+          <a:xfrm>
+            <a:off x="1451579" y="1853754"/>
+            <a:ext cx="9603275" cy="4199727"/>
+          </a:xfrm>
+        </p:spPr>
+        <p:txBody>
           <a:bodyPr>
-            <a:normAutofit/>
+            <a:normAutofit lnSpcReduction="10000"/>
           </a:bodyPr>
           <a:lstStyle/>
           <a:p>
             <a:r>
               <a:rPr lang="en-US" dirty="0"/>
-              <a:t>Distributions</a:t>
-            </a:r>
-          </a:p>
-        </p:txBody>
-      </p:sp>
-      <p:sp>
-        <p:nvSpPr>
-          <p:cNvPr id="3" name="Subtitle 2">
-            <a:extLst>
-              <a:ext uri="{FF2B5EF4-FFF2-40B4-BE49-F238E27FC236}">
-                <a16:creationId xmlns:a16="http://schemas.microsoft.com/office/drawing/2014/main" id="{E8E05441-E8DA-B65A-0CE4-EA002051F1FC}"/>
-              </a:ext>
-            </a:extLst>
-          </p:cNvPr>
-          <p:cNvSpPr>
-            <a:spLocks noGrp="1"/>
-          </p:cNvSpPr>
-          <p:nvPr>
-            <p:ph type="subTitle" idx="1"/>
-          </p:nvPr>
-        </p:nvSpPr>
-        <p:spPr/>
-        <p:txBody>
-          <a:bodyPr/>
-          <a:lstStyle/>
-          <a:p>
-            <a:endParaRPr lang="en-US" dirty="0"/>
+              <a:t>Goal – “How many NAIT students are &lt;5’5” or &gt;6’5””?</a:t>
+            </a:r>
+          </a:p>
+          <a:p>
+            <a:r>
+              <a:rPr lang="en-US" dirty="0"/>
+              <a:t>Process:</a:t>
+            </a:r>
+          </a:p>
+          <a:p>
+            <a:pPr lvl="1"/>
+            <a:r>
+              <a:rPr lang="en-US" dirty="0"/>
+              <a:t>Take a sample of N students, measure them. Calculate mean and std. </a:t>
+            </a:r>
+          </a:p>
+          <a:p>
+            <a:pPr lvl="1"/>
+            <a:r>
+              <a:rPr lang="en-US" dirty="0"/>
+              <a:t>We ”know” height is normally distributed. (This is the logical leap). </a:t>
+            </a:r>
+          </a:p>
+          <a:p>
+            <a:pPr lvl="1"/>
+            <a:r>
+              <a:rPr lang="en-US" dirty="0"/>
+              <a:t>Generate a normal distribution matching mean and std from sample. </a:t>
+            </a:r>
+          </a:p>
+          <a:p>
+            <a:pPr lvl="1"/>
+            <a:r>
+              <a:rPr lang="en-US" dirty="0"/>
+              <a:t>Use standard normal distribution stuff (e.g. z-scores) to answer question. </a:t>
+            </a:r>
+          </a:p>
+          <a:p>
+            <a:r>
+              <a:rPr lang="en-US" dirty="0"/>
+              <a:t>We are able to take a small subset of know heights, generalize that to the population, and then perform analysis on that generalization. </a:t>
+            </a:r>
+          </a:p>
+          <a:p>
+            <a:pPr lvl="1"/>
+            <a:r>
+              <a:rPr lang="en-US" dirty="0"/>
+              <a:t>What may hurt or improve the reliability of this analysis. </a:t>
+            </a:r>
+          </a:p>
+          <a:p>
+            <a:r>
+              <a:rPr lang="en-US" dirty="0"/>
+              <a:t>If you see a Stats Canada estimate from census data, it is likely done like this. </a:t>
+            </a:r>
           </a:p>
         </p:txBody>
       </p:sp>
     </p:spTree>
     <p:extLst>
       <p:ext uri="{BB962C8B-B14F-4D97-AF65-F5344CB8AC3E}">
-        <p14:creationId xmlns:p14="http://schemas.microsoft.com/office/powerpoint/2010/main" val="757335135"/>
+        <p14:creationId xmlns:p14="http://schemas.microsoft.com/office/powerpoint/2010/main" val="3258882042"/>
+      </p:ext>
+    </p:extLst>
+  </p:cSld>
+  <p:clrMapOvr>
+    <a:masterClrMapping/>
+  </p:clrMapOvr>
+</p:sld>
+</file>
+
+<file path=ppt/slides/slide28.xml><?xml version="1.0" encoding="utf-8"?>
+<p:sld xmlns:a="http://schemas.openxmlformats.org/drawingml/2006/main" xmlns:r="http://schemas.openxmlformats.org/officeDocument/2006/relationships" xmlns:p="http://schemas.openxmlformats.org/presentationml/2006/main">
+  <p:cSld>
+    <p:spTree>
+      <p:nvGrpSpPr>
+        <p:cNvPr id="1" name=""/>
+        <p:cNvGrpSpPr/>
+        <p:nvPr/>
+      </p:nvGrpSpPr>
+      <p:grpSpPr>
+        <a:xfrm>
+          <a:off x="0" y="0"/>
+          <a:ext cx="0" cy="0"/>
+          <a:chOff x="0" y="0"/>
+          <a:chExt cx="0" cy="0"/>
+        </a:xfrm>
+      </p:grpSpPr>
+      <p:sp>
+        <p:nvSpPr>
+          <p:cNvPr id="2" name="Title 1">
+            <a:extLst>
+              <a:ext uri="{FF2B5EF4-FFF2-40B4-BE49-F238E27FC236}">
+                <a16:creationId xmlns:a16="http://schemas.microsoft.com/office/drawing/2014/main" id="{B2483D06-BBDA-D959-B720-174DE2E96533}"/>
+              </a:ext>
+            </a:extLst>
+          </p:cNvPr>
+          <p:cNvSpPr>
+            <a:spLocks noGrp="1"/>
+          </p:cNvSpPr>
+          <p:nvPr>
+            <p:ph type="title"/>
+          </p:nvPr>
+        </p:nvSpPr>
+        <p:spPr/>
+        <p:txBody>
+          <a:bodyPr/>
+          <a:lstStyle/>
+          <a:p>
+            <a:r>
+              <a:rPr lang="en-US" dirty="0"/>
+              <a:t>Conclusions</a:t>
+            </a:r>
+          </a:p>
+        </p:txBody>
+      </p:sp>
+      <p:sp>
+        <p:nvSpPr>
+          <p:cNvPr id="3" name="Content Placeholder 2">
+            <a:extLst>
+              <a:ext uri="{FF2B5EF4-FFF2-40B4-BE49-F238E27FC236}">
+                <a16:creationId xmlns:a16="http://schemas.microsoft.com/office/drawing/2014/main" id="{05796021-92B6-7C62-9A34-AE1724D5FCB8}"/>
+              </a:ext>
+            </a:extLst>
+          </p:cNvPr>
+          <p:cNvSpPr>
+            <a:spLocks noGrp="1"/>
+          </p:cNvSpPr>
+          <p:nvPr>
+            <p:ph idx="1"/>
+          </p:nvPr>
+        </p:nvSpPr>
+        <p:spPr>
+          <a:xfrm>
+            <a:off x="1451579" y="1853754"/>
+            <a:ext cx="9603275" cy="4199727"/>
+          </a:xfrm>
+        </p:spPr>
+        <p:txBody>
+          <a:bodyPr/>
+          <a:lstStyle/>
+          <a:p>
+            <a:r>
+              <a:rPr lang="en-US" dirty="0"/>
+              <a:t>Understanding distributions is useful in several ways. </a:t>
+            </a:r>
+          </a:p>
+          <a:p>
+            <a:pPr lvl="1"/>
+            <a:r>
+              <a:rPr lang="en-US" dirty="0"/>
+              <a:t>We can better communicate about data if we need to. </a:t>
+            </a:r>
+          </a:p>
+          <a:p>
+            <a:pPr lvl="1"/>
+            <a:r>
+              <a:rPr lang="en-US" dirty="0"/>
+              <a:t>We can do data exploration before ML stuff more easily. </a:t>
+            </a:r>
+          </a:p>
+          <a:p>
+            <a:pPr lvl="1"/>
+            <a:r>
+              <a:rPr lang="en-US" dirty="0"/>
+              <a:t>We can leverage expectations to generalize. </a:t>
+            </a:r>
+          </a:p>
+          <a:p>
+            <a:r>
+              <a:rPr lang="en-US" dirty="0"/>
+              <a:t>Analytical distributions allow us to take smaller samples and make reliable predictions. </a:t>
+            </a:r>
+          </a:p>
+          <a:p>
+            <a:pPr lvl="1"/>
+            <a:r>
+              <a:rPr lang="en-US" dirty="0"/>
+              <a:t>We will spend more time working with generalizing and inferring later. </a:t>
+            </a:r>
+          </a:p>
+          <a:p>
+            <a:pPr lvl="1"/>
+            <a:r>
+              <a:rPr lang="en-US" dirty="0"/>
+              <a:t>We want to start thinking about the distribution patterns early. </a:t>
+            </a:r>
+          </a:p>
+        </p:txBody>
+      </p:sp>
+    </p:spTree>
+    <p:extLst>
+      <p:ext uri="{BB962C8B-B14F-4D97-AF65-F5344CB8AC3E}">
+        <p14:creationId xmlns:p14="http://schemas.microsoft.com/office/powerpoint/2010/main" val="1505809882"/>
       </p:ext>
     </p:extLst>
   </p:cSld>
@@ -5219,7 +7196,7 @@
           <p:cNvPr id="2" name="Title 1">
             <a:extLst>
               <a:ext uri="{FF2B5EF4-FFF2-40B4-BE49-F238E27FC236}">
-                <a16:creationId xmlns:a16="http://schemas.microsoft.com/office/drawing/2014/main" id="{5E77F43B-9063-795F-A437-23E749AC9F16}"/>
+                <a16:creationId xmlns:a16="http://schemas.microsoft.com/office/drawing/2014/main" id="{909951EA-A403-4C52-42D9-85332BB51FB4}"/>
               </a:ext>
             </a:extLst>
           </p:cNvPr>
@@ -5227,27 +7204,29 @@
             <a:spLocks noGrp="1"/>
           </p:cNvSpPr>
           <p:nvPr>
-            <p:ph type="title"/>
+            <p:ph type="ctrTitle"/>
           </p:nvPr>
         </p:nvSpPr>
         <p:spPr/>
         <p:txBody>
-          <a:bodyPr/>
-          <a:lstStyle/>
-          <a:p>
-            <a:r>
-              <a:rPr lang="en-US" dirty="0"/>
-              <a:t>So Much Data!</a:t>
-            </a:r>
-          </a:p>
-        </p:txBody>
-      </p:sp>
-      <p:sp>
-        <p:nvSpPr>
-          <p:cNvPr id="3" name="Content Placeholder 2">
+          <a:bodyPr>
+            <a:normAutofit/>
+          </a:bodyPr>
+          <a:lstStyle/>
+          <a:p>
+            <a:r>
+              <a:rPr lang="en-US" dirty="0"/>
+              <a:t>Distributions</a:t>
+            </a:r>
+          </a:p>
+        </p:txBody>
+      </p:sp>
+      <p:sp>
+        <p:nvSpPr>
+          <p:cNvPr id="3" name="Subtitle 2">
             <a:extLst>
               <a:ext uri="{FF2B5EF4-FFF2-40B4-BE49-F238E27FC236}">
-                <a16:creationId xmlns:a16="http://schemas.microsoft.com/office/drawing/2014/main" id="{CBF44235-FAC4-E5E9-6B51-9C8B376F06F1}"/>
+                <a16:creationId xmlns:a16="http://schemas.microsoft.com/office/drawing/2014/main" id="{E8E05441-E8DA-B65A-0CE4-EA002051F1FC}"/>
               </a:ext>
             </a:extLst>
           </p:cNvPr>
@@ -5255,7 +7234,7 @@
             <a:spLocks noGrp="1"/>
           </p:cNvSpPr>
           <p:nvPr>
-            <p:ph idx="1"/>
+            <p:ph type="subTitle" idx="1"/>
           </p:nvPr>
         </p:nvSpPr>
         <p:spPr/>
@@ -5263,44 +7242,14 @@
           <a:bodyPr/>
           <a:lstStyle/>
           <a:p>
-            <a:r>
-              <a:rPr lang="en-US" dirty="0"/>
-              <a:t>Our datasets are normally very large. </a:t>
-            </a:r>
-          </a:p>
-          <a:p>
-            <a:pPr lvl="1"/>
-            <a:r>
-              <a:rPr lang="en-US" dirty="0"/>
-              <a:t>Too big to deal with individual records. </a:t>
-            </a:r>
-          </a:p>
-          <a:p>
-            <a:pPr lvl="1"/>
-            <a:r>
-              <a:rPr lang="en-US" dirty="0"/>
-              <a:t>Especially large when we move into ML (potentially millions of records). </a:t>
-            </a:r>
-          </a:p>
-          <a:p>
-            <a:r>
-              <a:rPr lang="en-US" dirty="0"/>
-              <a:t>We understand our data by examining its distribution, rather than the specifics. </a:t>
-            </a:r>
-          </a:p>
-          <a:p>
-            <a:pPr lvl="1"/>
-            <a:r>
-              <a:rPr lang="en-US" dirty="0"/>
-              <a:t>Lots of data falls into patterns, and we can use that to more easily understand it. </a:t>
-            </a:r>
+            <a:endParaRPr lang="en-US" dirty="0"/>
           </a:p>
         </p:txBody>
       </p:sp>
     </p:spTree>
     <p:extLst>
       <p:ext uri="{BB962C8B-B14F-4D97-AF65-F5344CB8AC3E}">
-        <p14:creationId xmlns:p14="http://schemas.microsoft.com/office/powerpoint/2010/main" val="2831268944"/>
+        <p14:creationId xmlns:p14="http://schemas.microsoft.com/office/powerpoint/2010/main" val="757335135"/>
       </p:ext>
     </p:extLst>
   </p:cSld>
@@ -5332,7 +7281,7 @@
           <p:cNvPr id="2" name="Title 1">
             <a:extLst>
               <a:ext uri="{FF2B5EF4-FFF2-40B4-BE49-F238E27FC236}">
-                <a16:creationId xmlns:a16="http://schemas.microsoft.com/office/drawing/2014/main" id="{17CA4705-0349-FFBB-6865-C09B3F6E390F}"/>
+                <a16:creationId xmlns:a16="http://schemas.microsoft.com/office/drawing/2014/main" id="{33B38A78-1E9A-ED3D-C85A-8F8DBFF6B840}"/>
               </a:ext>
             </a:extLst>
           </p:cNvPr>
@@ -5350,7 +7299,7 @@
           <a:p>
             <a:r>
               <a:rPr lang="en-US" dirty="0"/>
-              <a:t>Populations and Samples</a:t>
+              <a:t>Recall</a:t>
             </a:r>
           </a:p>
         </p:txBody>
@@ -5360,7 +7309,7 @@
           <p:cNvPr id="3" name="Content Placeholder 2">
             <a:extLst>
               <a:ext uri="{FF2B5EF4-FFF2-40B4-BE49-F238E27FC236}">
-                <a16:creationId xmlns:a16="http://schemas.microsoft.com/office/drawing/2014/main" id="{C81BD5EB-C0AB-61FE-3BD3-99C63B989F66}"/>
+                <a16:creationId xmlns:a16="http://schemas.microsoft.com/office/drawing/2014/main" id="{9E5780DB-97D7-4333-73F0-0F1F275D361D}"/>
               </a:ext>
             </a:extLst>
           </p:cNvPr>
@@ -5371,80 +7320,160 @@
             <p:ph idx="1"/>
           </p:nvPr>
         </p:nvSpPr>
-        <p:spPr>
+        <p:spPr/>
+        <p:txBody>
+          <a:bodyPr/>
+          <a:lstStyle/>
+          <a:p>
+            <a:endParaRPr lang="en-US"/>
+          </a:p>
+        </p:txBody>
+      </p:sp>
+      <p:pic>
+        <p:nvPicPr>
+          <p:cNvPr id="1026" name="Picture 2" descr="Dispersion">
+            <a:extLst>
+              <a:ext uri="{FF2B5EF4-FFF2-40B4-BE49-F238E27FC236}">
+                <a16:creationId xmlns:a16="http://schemas.microsoft.com/office/drawing/2014/main" id="{9664112E-E23C-36B7-51B8-AC7AB94C0F42}"/>
+              </a:ext>
+            </a:extLst>
+          </p:cNvPr>
+          <p:cNvPicPr>
+            <a:picLocks noChangeAspect="1" noChangeArrowheads="1"/>
+          </p:cNvPicPr>
+          <p:nvPr/>
+        </p:nvPicPr>
+        <p:blipFill>
+          <a:blip r:embed="rId2">
+            <a:extLst>
+              <a:ext uri="{28A0092B-C50C-407E-A947-70E740481C1C}">
+                <a14:useLocalDpi xmlns:a14="http://schemas.microsoft.com/office/drawing/2010/main" val="0"/>
+              </a:ext>
+            </a:extLst>
+          </a:blip>
+          <a:srcRect/>
+          <a:stretch>
+            <a:fillRect/>
+          </a:stretch>
+        </p:blipFill>
+        <p:spPr bwMode="auto">
           <a:xfrm>
-            <a:off x="688769" y="2015732"/>
-            <a:ext cx="11329060" cy="4123811"/>
+            <a:off x="6743700" y="1853754"/>
+            <a:ext cx="5448300" cy="4470400"/>
           </a:xfrm>
+          <a:prstGeom prst="rect">
+            <a:avLst/>
+          </a:prstGeom>
+          <a:noFill/>
+          <a:extLst>
+            <a:ext uri="{909E8E84-426E-40DD-AFC4-6F175D3DCCD1}">
+              <a14:hiddenFill xmlns:a14="http://schemas.microsoft.com/office/drawing/2010/main">
+                <a:solidFill>
+                  <a:srgbClr val="FFFFFF"/>
+                </a:solidFill>
+              </a14:hiddenFill>
+            </a:ext>
+          </a:extLst>
         </p:spPr>
-        <p:txBody>
-          <a:bodyPr/>
-          <a:lstStyle/>
-          <a:p>
-            <a:r>
-              <a:rPr lang="en-US" dirty="0"/>
-              <a:t>In general, we don’t have all the data, we only have some subset. </a:t>
-            </a:r>
-          </a:p>
-          <a:p>
-            <a:pPr lvl="1"/>
-            <a:r>
-              <a:rPr lang="en-US" dirty="0"/>
-              <a:t>E.g. a political poll takes several thousand (or less) responses to estimate an election. </a:t>
-            </a:r>
-          </a:p>
-          <a:p>
-            <a:r>
-              <a:rPr lang="en-US" b="1" dirty="0"/>
-              <a:t>Population:</a:t>
-            </a:r>
-          </a:p>
-          <a:p>
-            <a:pPr lvl="1"/>
-            <a:r>
-              <a:rPr lang="en-US" dirty="0"/>
-              <a:t>All the data that exists on whatever we are looking at. </a:t>
-            </a:r>
-          </a:p>
-          <a:p>
-            <a:pPr lvl="1"/>
-            <a:r>
-              <a:rPr lang="en-US" dirty="0"/>
-              <a:t>Relative to the question asked – e.g. data on college student means the pop is all students, not all humans. </a:t>
-            </a:r>
-          </a:p>
-          <a:p>
-            <a:r>
-              <a:rPr lang="en-US" b="1" dirty="0"/>
-              <a:t>Sample:</a:t>
-            </a:r>
-          </a:p>
-          <a:p>
-            <a:pPr lvl="1"/>
-            <a:r>
-              <a:rPr lang="en-US" dirty="0"/>
-              <a:t>The data we have. </a:t>
-            </a:r>
-          </a:p>
-          <a:p>
-            <a:pPr lvl="1"/>
-            <a:r>
-              <a:rPr lang="en-US" dirty="0"/>
-              <a:t>Some (maybe very small) fraction of the population. </a:t>
-            </a:r>
-          </a:p>
-          <a:p>
-            <a:r>
-              <a:rPr lang="en-US" dirty="0"/>
-              <a:t>We want samples that are representative – they mirror the population. More here when we do errors. </a:t>
-            </a:r>
-          </a:p>
-        </p:txBody>
-      </p:sp>
+      </p:pic>
+      <p:pic>
+        <p:nvPicPr>
+          <p:cNvPr id="1028" name="Picture 4" descr="Understanding Measures of Central Tendency: Mean, Median, and Mode | by  Nitesh Addagatla | Medium">
+            <a:extLst>
+              <a:ext uri="{FF2B5EF4-FFF2-40B4-BE49-F238E27FC236}">
+                <a16:creationId xmlns:a16="http://schemas.microsoft.com/office/drawing/2014/main" id="{A6E103DC-CD48-B1D7-D682-2B18D9FBF7D9}"/>
+              </a:ext>
+            </a:extLst>
+          </p:cNvPr>
+          <p:cNvPicPr>
+            <a:picLocks noChangeAspect="1" noChangeArrowheads="1"/>
+          </p:cNvPicPr>
+          <p:nvPr/>
+        </p:nvPicPr>
+        <p:blipFill rotWithShape="1">
+          <a:blip r:embed="rId3">
+            <a:extLst>
+              <a:ext uri="{28A0092B-C50C-407E-A947-70E740481C1C}">
+                <a14:useLocalDpi xmlns:a14="http://schemas.microsoft.com/office/drawing/2010/main" val="0"/>
+              </a:ext>
+            </a:extLst>
+          </a:blip>
+          <a:srcRect l="4616" t="14166" r="3659" b="15167"/>
+          <a:stretch>
+            <a:fillRect/>
+          </a:stretch>
+        </p:blipFill>
+        <p:spPr bwMode="auto">
+          <a:xfrm>
+            <a:off x="0" y="3947769"/>
+            <a:ext cx="6705886" cy="2910231"/>
+          </a:xfrm>
+          <a:prstGeom prst="rect">
+            <a:avLst/>
+          </a:prstGeom>
+          <a:noFill/>
+          <a:extLst>
+            <a:ext uri="{909E8E84-426E-40DD-AFC4-6F175D3DCCD1}">
+              <a14:hiddenFill xmlns:a14="http://schemas.microsoft.com/office/drawing/2010/main">
+                <a:solidFill>
+                  <a:srgbClr val="FFFFFF"/>
+                </a:solidFill>
+              </a14:hiddenFill>
+            </a:ext>
+          </a:extLst>
+        </p:spPr>
+      </p:pic>
+      <p:pic>
+        <p:nvPicPr>
+          <p:cNvPr id="1030" name="Picture 6" descr="Continuous vs. discrete vs. categorical axis: What is the difference? -  Inforiver">
+            <a:extLst>
+              <a:ext uri="{FF2B5EF4-FFF2-40B4-BE49-F238E27FC236}">
+                <a16:creationId xmlns:a16="http://schemas.microsoft.com/office/drawing/2014/main" id="{37126D79-50FE-C6A1-CA70-4C77CCC03A30}"/>
+              </a:ext>
+            </a:extLst>
+          </p:cNvPr>
+          <p:cNvPicPr>
+            <a:picLocks noChangeAspect="1" noChangeArrowheads="1"/>
+          </p:cNvPicPr>
+          <p:nvPr/>
+        </p:nvPicPr>
+        <p:blipFill rotWithShape="1">
+          <a:blip r:embed="rId4">
+            <a:extLst>
+              <a:ext uri="{28A0092B-C50C-407E-A947-70E740481C1C}">
+                <a14:useLocalDpi xmlns:a14="http://schemas.microsoft.com/office/drawing/2010/main" val="0"/>
+              </a:ext>
+            </a:extLst>
+          </a:blip>
+          <a:srcRect l="18375" r="18250" b="36426"/>
+          <a:stretch>
+            <a:fillRect/>
+          </a:stretch>
+        </p:blipFill>
+        <p:spPr bwMode="auto">
+          <a:xfrm>
+            <a:off x="842551" y="1400497"/>
+            <a:ext cx="5175360" cy="2311234"/>
+          </a:xfrm>
+          <a:prstGeom prst="rect">
+            <a:avLst/>
+          </a:prstGeom>
+          <a:noFill/>
+          <a:extLst>
+            <a:ext uri="{909E8E84-426E-40DD-AFC4-6F175D3DCCD1}">
+              <a14:hiddenFill xmlns:a14="http://schemas.microsoft.com/office/drawing/2010/main">
+                <a:solidFill>
+                  <a:srgbClr val="FFFFFF"/>
+                </a:solidFill>
+              </a14:hiddenFill>
+            </a:ext>
+          </a:extLst>
+        </p:spPr>
+      </p:pic>
     </p:spTree>
     <p:extLst>
       <p:ext uri="{BB962C8B-B14F-4D97-AF65-F5344CB8AC3E}">
-        <p14:creationId xmlns:p14="http://schemas.microsoft.com/office/powerpoint/2010/main" val="2454688128"/>
+        <p14:creationId xmlns:p14="http://schemas.microsoft.com/office/powerpoint/2010/main" val="793103285"/>
       </p:ext>
     </p:extLst>
   </p:cSld>
@@ -5476,6 +7505,270 @@
           <p:cNvPr id="2" name="Title 1">
             <a:extLst>
               <a:ext uri="{FF2B5EF4-FFF2-40B4-BE49-F238E27FC236}">
+                <a16:creationId xmlns:a16="http://schemas.microsoft.com/office/drawing/2014/main" id="{5E77F43B-9063-795F-A437-23E749AC9F16}"/>
+              </a:ext>
+            </a:extLst>
+          </p:cNvPr>
+          <p:cNvSpPr>
+            <a:spLocks noGrp="1"/>
+          </p:cNvSpPr>
+          <p:nvPr>
+            <p:ph type="title"/>
+          </p:nvPr>
+        </p:nvSpPr>
+        <p:spPr/>
+        <p:txBody>
+          <a:bodyPr/>
+          <a:lstStyle/>
+          <a:p>
+            <a:r>
+              <a:rPr lang="en-US" dirty="0"/>
+              <a:t>So Much Data!</a:t>
+            </a:r>
+          </a:p>
+        </p:txBody>
+      </p:sp>
+      <p:sp>
+        <p:nvSpPr>
+          <p:cNvPr id="3" name="Content Placeholder 2">
+            <a:extLst>
+              <a:ext uri="{FF2B5EF4-FFF2-40B4-BE49-F238E27FC236}">
+                <a16:creationId xmlns:a16="http://schemas.microsoft.com/office/drawing/2014/main" id="{CBF44235-FAC4-E5E9-6B51-9C8B376F06F1}"/>
+              </a:ext>
+            </a:extLst>
+          </p:cNvPr>
+          <p:cNvSpPr>
+            <a:spLocks noGrp="1"/>
+          </p:cNvSpPr>
+          <p:nvPr>
+            <p:ph idx="1"/>
+          </p:nvPr>
+        </p:nvSpPr>
+        <p:spPr/>
+        <p:txBody>
+          <a:bodyPr/>
+          <a:lstStyle/>
+          <a:p>
+            <a:r>
+              <a:rPr lang="en-US" dirty="0"/>
+              <a:t>Our datasets are normally very large. </a:t>
+            </a:r>
+          </a:p>
+          <a:p>
+            <a:pPr lvl="1"/>
+            <a:r>
+              <a:rPr lang="en-US" dirty="0"/>
+              <a:t>Too big to deal with individual records. </a:t>
+            </a:r>
+          </a:p>
+          <a:p>
+            <a:pPr lvl="1"/>
+            <a:r>
+              <a:rPr lang="en-US" dirty="0"/>
+              <a:t>Especially large when we move into ML (potentially millions of records). </a:t>
+            </a:r>
+          </a:p>
+          <a:p>
+            <a:r>
+              <a:rPr lang="en-US" dirty="0"/>
+              <a:t>We understand our data by examining its distribution, rather than the specifics. </a:t>
+            </a:r>
+          </a:p>
+          <a:p>
+            <a:pPr lvl="1"/>
+            <a:r>
+              <a:rPr lang="en-US" dirty="0"/>
+              <a:t>Lots of data falls into patterns, and we can use that to more easily understand it. </a:t>
+            </a:r>
+          </a:p>
+        </p:txBody>
+      </p:sp>
+    </p:spTree>
+    <p:extLst>
+      <p:ext uri="{BB962C8B-B14F-4D97-AF65-F5344CB8AC3E}">
+        <p14:creationId xmlns:p14="http://schemas.microsoft.com/office/powerpoint/2010/main" val="2831268944"/>
+      </p:ext>
+    </p:extLst>
+  </p:cSld>
+  <p:clrMapOvr>
+    <a:masterClrMapping/>
+  </p:clrMapOvr>
+</p:sld>
+</file>
+
+<file path=ppt/slides/slide6.xml><?xml version="1.0" encoding="utf-8"?>
+<p:sld xmlns:a="http://schemas.openxmlformats.org/drawingml/2006/main" xmlns:r="http://schemas.openxmlformats.org/officeDocument/2006/relationships" xmlns:p="http://schemas.openxmlformats.org/presentationml/2006/main">
+  <p:cSld>
+    <p:spTree>
+      <p:nvGrpSpPr>
+        <p:cNvPr id="1" name=""/>
+        <p:cNvGrpSpPr/>
+        <p:nvPr/>
+      </p:nvGrpSpPr>
+      <p:grpSpPr>
+        <a:xfrm>
+          <a:off x="0" y="0"/>
+          <a:ext cx="0" cy="0"/>
+          <a:chOff x="0" y="0"/>
+          <a:chExt cx="0" cy="0"/>
+        </a:xfrm>
+      </p:grpSpPr>
+      <p:sp>
+        <p:nvSpPr>
+          <p:cNvPr id="2" name="Title 1">
+            <a:extLst>
+              <a:ext uri="{FF2B5EF4-FFF2-40B4-BE49-F238E27FC236}">
+                <a16:creationId xmlns:a16="http://schemas.microsoft.com/office/drawing/2014/main" id="{17CA4705-0349-FFBB-6865-C09B3F6E390F}"/>
+              </a:ext>
+            </a:extLst>
+          </p:cNvPr>
+          <p:cNvSpPr>
+            <a:spLocks noGrp="1"/>
+          </p:cNvSpPr>
+          <p:nvPr>
+            <p:ph type="title"/>
+          </p:nvPr>
+        </p:nvSpPr>
+        <p:spPr/>
+        <p:txBody>
+          <a:bodyPr/>
+          <a:lstStyle/>
+          <a:p>
+            <a:r>
+              <a:rPr lang="en-US" dirty="0"/>
+              <a:t>Populations and Samples</a:t>
+            </a:r>
+          </a:p>
+        </p:txBody>
+      </p:sp>
+      <p:sp>
+        <p:nvSpPr>
+          <p:cNvPr id="3" name="Content Placeholder 2">
+            <a:extLst>
+              <a:ext uri="{FF2B5EF4-FFF2-40B4-BE49-F238E27FC236}">
+                <a16:creationId xmlns:a16="http://schemas.microsoft.com/office/drawing/2014/main" id="{C81BD5EB-C0AB-61FE-3BD3-99C63B989F66}"/>
+              </a:ext>
+            </a:extLst>
+          </p:cNvPr>
+          <p:cNvSpPr>
+            <a:spLocks noGrp="1"/>
+          </p:cNvSpPr>
+          <p:nvPr>
+            <p:ph idx="1"/>
+          </p:nvPr>
+        </p:nvSpPr>
+        <p:spPr>
+          <a:xfrm>
+            <a:off x="688769" y="1853754"/>
+            <a:ext cx="11329060" cy="4285789"/>
+          </a:xfrm>
+        </p:spPr>
+        <p:txBody>
+          <a:bodyPr/>
+          <a:lstStyle/>
+          <a:p>
+            <a:r>
+              <a:rPr lang="en-US" dirty="0"/>
+              <a:t>In general, we don’t have all the data, we only have some subset. </a:t>
+            </a:r>
+          </a:p>
+          <a:p>
+            <a:pPr lvl="1"/>
+            <a:r>
+              <a:rPr lang="en-US" dirty="0"/>
+              <a:t>E.g. a political poll takes several thousand (or less) responses to estimate an election. </a:t>
+            </a:r>
+          </a:p>
+          <a:p>
+            <a:pPr lvl="1"/>
+            <a:r>
+              <a:rPr lang="en-US" dirty="0"/>
+              <a:t>With corporate data it is more likely to have population, e.g. all sales, all products…</a:t>
+            </a:r>
+          </a:p>
+          <a:p>
+            <a:r>
+              <a:rPr lang="en-US" b="1" dirty="0"/>
+              <a:t>Population:</a:t>
+            </a:r>
+          </a:p>
+          <a:p>
+            <a:pPr lvl="1"/>
+            <a:r>
+              <a:rPr lang="en-US" dirty="0"/>
+              <a:t>All the data that exists on whatever we are looking at. </a:t>
+            </a:r>
+          </a:p>
+          <a:p>
+            <a:pPr lvl="1"/>
+            <a:r>
+              <a:rPr lang="en-US" dirty="0"/>
+              <a:t>Relative to the question asked – e.g. data on college student means the pop is all students, not all humans. </a:t>
+            </a:r>
+          </a:p>
+          <a:p>
+            <a:r>
+              <a:rPr lang="en-US" b="1" dirty="0"/>
+              <a:t>Sample:</a:t>
+            </a:r>
+          </a:p>
+          <a:p>
+            <a:pPr lvl="1"/>
+            <a:r>
+              <a:rPr lang="en-US" dirty="0"/>
+              <a:t>The data we have. </a:t>
+            </a:r>
+          </a:p>
+          <a:p>
+            <a:pPr lvl="1"/>
+            <a:r>
+              <a:rPr lang="en-US" dirty="0"/>
+              <a:t>Some (maybe very small) fraction of the population. </a:t>
+            </a:r>
+          </a:p>
+          <a:p>
+            <a:r>
+              <a:rPr lang="en-US" dirty="0"/>
+              <a:t>We want samples that are representative – they mirror the population. More here when we do errors. </a:t>
+            </a:r>
+          </a:p>
+        </p:txBody>
+      </p:sp>
+    </p:spTree>
+    <p:extLst>
+      <p:ext uri="{BB962C8B-B14F-4D97-AF65-F5344CB8AC3E}">
+        <p14:creationId xmlns:p14="http://schemas.microsoft.com/office/powerpoint/2010/main" val="2454688128"/>
+      </p:ext>
+    </p:extLst>
+  </p:cSld>
+  <p:clrMapOvr>
+    <a:masterClrMapping/>
+  </p:clrMapOvr>
+</p:sld>
+</file>
+
+<file path=ppt/slides/slide7.xml><?xml version="1.0" encoding="utf-8"?>
+<p:sld xmlns:a="http://schemas.openxmlformats.org/drawingml/2006/main" xmlns:r="http://schemas.openxmlformats.org/officeDocument/2006/relationships" xmlns:p="http://schemas.openxmlformats.org/presentationml/2006/main">
+  <p:cSld>
+    <p:spTree>
+      <p:nvGrpSpPr>
+        <p:cNvPr id="1" name=""/>
+        <p:cNvGrpSpPr/>
+        <p:nvPr/>
+      </p:nvGrpSpPr>
+      <p:grpSpPr>
+        <a:xfrm>
+          <a:off x="0" y="0"/>
+          <a:ext cx="0" cy="0"/>
+          <a:chOff x="0" y="0"/>
+          <a:chExt cx="0" cy="0"/>
+        </a:xfrm>
+      </p:grpSpPr>
+      <p:sp>
+        <p:nvSpPr>
+          <p:cNvPr id="2" name="Title 1">
+            <a:extLst>
+              <a:ext uri="{FF2B5EF4-FFF2-40B4-BE49-F238E27FC236}">
                 <a16:creationId xmlns:a16="http://schemas.microsoft.com/office/drawing/2014/main" id="{22A22459-AB66-0DB2-BE85-BA21D42E7272}"/>
               </a:ext>
             </a:extLst>
@@ -5588,7 +7881,7 @@
 </p:sld>
 </file>
 
-<file path=ppt/slides/slide6.xml><?xml version="1.0" encoding="utf-8"?>
+<file path=ppt/slides/slide8.xml><?xml version="1.0" encoding="utf-8"?>
 <p:sld xmlns:a="http://schemas.openxmlformats.org/drawingml/2006/main" xmlns:r="http://schemas.openxmlformats.org/officeDocument/2006/relationships" xmlns:p="http://schemas.openxmlformats.org/presentationml/2006/main">
   <p:cSld>
     <p:spTree>
@@ -5765,7 +8058,7 @@
 </p:sld>
 </file>
 
-<file path=ppt/slides/slide7.xml><?xml version="1.0" encoding="utf-8"?>
+<file path=ppt/slides/slide9.xml><?xml version="1.0" encoding="utf-8"?>
 <p:sld xmlns:a="http://schemas.openxmlformats.org/drawingml/2006/main" xmlns:r="http://schemas.openxmlformats.org/officeDocument/2006/relationships" xmlns:p="http://schemas.openxmlformats.org/presentationml/2006/main">
   <p:cSld>
     <p:spTree>
@@ -5886,260 +8179,6 @@
     <p:extLst>
       <p:ext uri="{BB962C8B-B14F-4D97-AF65-F5344CB8AC3E}">
         <p14:creationId xmlns:p14="http://schemas.microsoft.com/office/powerpoint/2010/main" val="2416367584"/>
-      </p:ext>
-    </p:extLst>
-  </p:cSld>
-  <p:clrMapOvr>
-    <a:masterClrMapping/>
-  </p:clrMapOvr>
-</p:sld>
-</file>
-
-<file path=ppt/slides/slide8.xml><?xml version="1.0" encoding="utf-8"?>
-<p:sld xmlns:a="http://schemas.openxmlformats.org/drawingml/2006/main" xmlns:r="http://schemas.openxmlformats.org/officeDocument/2006/relationships" xmlns:p="http://schemas.openxmlformats.org/presentationml/2006/main">
-  <p:cSld>
-    <p:spTree>
-      <p:nvGrpSpPr>
-        <p:cNvPr id="1" name=""/>
-        <p:cNvGrpSpPr/>
-        <p:nvPr/>
-      </p:nvGrpSpPr>
-      <p:grpSpPr>
-        <a:xfrm>
-          <a:off x="0" y="0"/>
-          <a:ext cx="0" cy="0"/>
-          <a:chOff x="0" y="0"/>
-          <a:chExt cx="0" cy="0"/>
-        </a:xfrm>
-      </p:grpSpPr>
-      <p:sp>
-        <p:nvSpPr>
-          <p:cNvPr id="2" name="Title 1">
-            <a:extLst>
-              <a:ext uri="{FF2B5EF4-FFF2-40B4-BE49-F238E27FC236}">
-                <a16:creationId xmlns:a16="http://schemas.microsoft.com/office/drawing/2014/main" id="{5194F1E9-3E05-C5EE-64A2-C4150779EB2E}"/>
-              </a:ext>
-            </a:extLst>
-          </p:cNvPr>
-          <p:cNvSpPr>
-            <a:spLocks noGrp="1"/>
-          </p:cNvSpPr>
-          <p:nvPr>
-            <p:ph type="title"/>
-          </p:nvPr>
-        </p:nvSpPr>
-        <p:spPr/>
-        <p:txBody>
-          <a:bodyPr/>
-          <a:lstStyle/>
-          <a:p>
-            <a:r>
-              <a:rPr lang="en-US" dirty="0"/>
-              <a:t>Histogram Keys</a:t>
-            </a:r>
-          </a:p>
-        </p:txBody>
-      </p:sp>
-      <p:sp>
-        <p:nvSpPr>
-          <p:cNvPr id="3" name="Content Placeholder 2">
-            <a:extLst>
-              <a:ext uri="{FF2B5EF4-FFF2-40B4-BE49-F238E27FC236}">
-                <a16:creationId xmlns:a16="http://schemas.microsoft.com/office/drawing/2014/main" id="{F6FFCF8D-E72C-A029-4B59-DA8E76BD9E68}"/>
-              </a:ext>
-            </a:extLst>
-          </p:cNvPr>
-          <p:cNvSpPr>
-            <a:spLocks noGrp="1"/>
-          </p:cNvSpPr>
-          <p:nvPr>
-            <p:ph idx="1"/>
-          </p:nvPr>
-        </p:nvSpPr>
-        <p:spPr>
-          <a:xfrm>
-            <a:off x="1451579" y="2015732"/>
-            <a:ext cx="9603275" cy="4037749"/>
-          </a:xfrm>
-        </p:spPr>
-        <p:txBody>
-          <a:bodyPr/>
-          <a:lstStyle/>
-          <a:p>
-            <a:r>
-              <a:rPr lang="en-US" dirty="0"/>
-              <a:t>The size of the bars, or the width of the bins* is flexible:</a:t>
-            </a:r>
-          </a:p>
-          <a:p>
-            <a:pPr lvl="1"/>
-            <a:r>
-              <a:rPr lang="en-US" dirty="0"/>
-              <a:t>Choose to illustrate the pattern in the data. </a:t>
-            </a:r>
-          </a:p>
-          <a:p>
-            <a:r>
-              <a:rPr lang="en-US" dirty="0"/>
-              <a:t>The Y axis is always a count of how many times something occurs. </a:t>
-            </a:r>
-          </a:p>
-          <a:p>
-            <a:r>
-              <a:rPr lang="en-US" dirty="0"/>
-              <a:t>The X axis is some numerical value – we are breaking that range into parts to generate the graph. </a:t>
-            </a:r>
-          </a:p>
-          <a:p>
-            <a:endParaRPr lang="en-US" dirty="0"/>
-          </a:p>
-          <a:p>
-            <a:r>
-              <a:rPr lang="en-US" dirty="0"/>
-              <a:t>When there is a continuous value, it is “binned” or split into segments and grouped. </a:t>
-            </a:r>
-          </a:p>
-          <a:p>
-            <a:pPr lvl="1"/>
-            <a:r>
-              <a:rPr lang="en-US" dirty="0"/>
-              <a:t>E.g. translation of a percentage grade into a letter grade. </a:t>
-            </a:r>
-          </a:p>
-        </p:txBody>
-      </p:sp>
-    </p:spTree>
-    <p:extLst>
-      <p:ext uri="{BB962C8B-B14F-4D97-AF65-F5344CB8AC3E}">
-        <p14:creationId xmlns:p14="http://schemas.microsoft.com/office/powerpoint/2010/main" val="3202998727"/>
-      </p:ext>
-    </p:extLst>
-  </p:cSld>
-  <p:clrMapOvr>
-    <a:masterClrMapping/>
-  </p:clrMapOvr>
-</p:sld>
-</file>
-
-<file path=ppt/slides/slide9.xml><?xml version="1.0" encoding="utf-8"?>
-<p:sld xmlns:a="http://schemas.openxmlformats.org/drawingml/2006/main" xmlns:r="http://schemas.openxmlformats.org/officeDocument/2006/relationships" xmlns:p="http://schemas.openxmlformats.org/presentationml/2006/main">
-  <p:cSld>
-    <p:spTree>
-      <p:nvGrpSpPr>
-        <p:cNvPr id="1" name=""/>
-        <p:cNvGrpSpPr/>
-        <p:nvPr/>
-      </p:nvGrpSpPr>
-      <p:grpSpPr>
-        <a:xfrm>
-          <a:off x="0" y="0"/>
-          <a:ext cx="0" cy="0"/>
-          <a:chOff x="0" y="0"/>
-          <a:chExt cx="0" cy="0"/>
-        </a:xfrm>
-      </p:grpSpPr>
-      <p:sp>
-        <p:nvSpPr>
-          <p:cNvPr id="2" name="Title 1">
-            <a:extLst>
-              <a:ext uri="{FF2B5EF4-FFF2-40B4-BE49-F238E27FC236}">
-                <a16:creationId xmlns:a16="http://schemas.microsoft.com/office/drawing/2014/main" id="{787523D9-7780-6F1E-AA54-3CE48D62E4CB}"/>
-              </a:ext>
-            </a:extLst>
-          </p:cNvPr>
-          <p:cNvSpPr>
-            <a:spLocks noGrp="1"/>
-          </p:cNvSpPr>
-          <p:nvPr>
-            <p:ph type="title"/>
-          </p:nvPr>
-        </p:nvSpPr>
-        <p:spPr/>
-        <p:txBody>
-          <a:bodyPr/>
-          <a:lstStyle/>
-          <a:p>
-            <a:r>
-              <a:rPr lang="en-US" dirty="0"/>
-              <a:t>Density Plots</a:t>
-            </a:r>
-          </a:p>
-        </p:txBody>
-      </p:sp>
-      <p:sp>
-        <p:nvSpPr>
-          <p:cNvPr id="3" name="Content Placeholder 2">
-            <a:extLst>
-              <a:ext uri="{FF2B5EF4-FFF2-40B4-BE49-F238E27FC236}">
-                <a16:creationId xmlns:a16="http://schemas.microsoft.com/office/drawing/2014/main" id="{0A6A68F8-CBA3-1B48-7D05-842D0B580638}"/>
-              </a:ext>
-            </a:extLst>
-          </p:cNvPr>
-          <p:cNvSpPr>
-            <a:spLocks noGrp="1"/>
-          </p:cNvSpPr>
-          <p:nvPr>
-            <p:ph idx="1"/>
-          </p:nvPr>
-        </p:nvSpPr>
-        <p:spPr>
-          <a:xfrm>
-            <a:off x="1451579" y="2015732"/>
-            <a:ext cx="9603275" cy="4037749"/>
-          </a:xfrm>
-        </p:spPr>
-        <p:txBody>
-          <a:bodyPr/>
-          <a:lstStyle/>
-          <a:p>
-            <a:r>
-              <a:rPr lang="en-US" dirty="0"/>
-              <a:t>Density plots are effectively a “continuous line” version of a histogram. </a:t>
-            </a:r>
-          </a:p>
-          <a:p>
-            <a:pPr lvl="1"/>
-            <a:r>
-              <a:rPr lang="en-US" dirty="0"/>
-              <a:t>Can visualize it as if the bins of a histogram got infinitely small. </a:t>
-            </a:r>
-          </a:p>
-          <a:p>
-            <a:r>
-              <a:rPr lang="en-US" dirty="0"/>
-              <a:t>Still counts how likely something is to occur. </a:t>
-            </a:r>
-          </a:p>
-          <a:p>
-            <a:r>
-              <a:rPr lang="en-US" dirty="0"/>
-              <a:t>Y axis is the density, or the percentage of values that have that value. </a:t>
-            </a:r>
-          </a:p>
-          <a:p>
-            <a:r>
-              <a:rPr lang="en-US" dirty="0"/>
-              <a:t>Useful even when we don’t have the ability to count all the data (more on this later). </a:t>
-            </a:r>
-          </a:p>
-          <a:p>
-            <a:r>
-              <a:rPr lang="en-US" dirty="0"/>
-              <a:t>Provides a smoothed estimation of the exact counts found in a histogram. </a:t>
-            </a:r>
-          </a:p>
-          <a:p>
-            <a:r>
-              <a:rPr lang="en-US" dirty="0"/>
-              <a:t>While a histogram is based on sums, a density plot is can be approximated by calculus. </a:t>
-            </a:r>
-          </a:p>
-        </p:txBody>
-      </p:sp>
-    </p:spTree>
-    <p:extLst>
-      <p:ext uri="{BB962C8B-B14F-4D97-AF65-F5344CB8AC3E}">
-        <p14:creationId xmlns:p14="http://schemas.microsoft.com/office/powerpoint/2010/main" val="1191623847"/>
       </p:ext>
     </p:extLst>
   </p:cSld>
